--- a/Framework_ppt/NetApp Test Automation.pptx
+++ b/Framework_ppt/NetApp Test Automation.pptx
@@ -7,8 +7,7 @@
   <p:sldIdLst>
     <p:sldId id="256" r:id="rId2"/>
     <p:sldId id="257" r:id="rId3"/>
-    <p:sldId id="258" r:id="rId4"/>
-    <p:sldId id="259" r:id="rId5"/>
+    <p:sldId id="259" r:id="rId4"/>
   </p:sldIdLst>
   <p:sldSz cx="12192000" cy="6858000"/>
   <p:notesSz cx="6858000" cy="9144000"/>
@@ -107,6 +106,11 @@
       </a:defRPr>
     </a:lvl9pPr>
   </p:defaultTextStyle>
+  <p:extLst>
+    <p:ext uri="{EFAFB233-063F-42B5-8137-9DF3F51BA10A}">
+      <p15:sldGuideLst xmlns:p15="http://schemas.microsoft.com/office/powerpoint/2012/main"/>
+    </p:ext>
+  </p:extLst>
 </p:presentation>
 </file>
 
@@ -833,7 +837,7 @@
             <a:fld id="{B61BEF0D-F0BB-DE4B-95CE-6DB70DBA9567}" type="datetimeFigureOut">
               <a:rPr lang="en-US" dirty="0"/>
               <a:pPr/>
-              <a:t>5/21/2020</a:t>
+              <a:t>5/30/2020</a:t>
             </a:fld>
             <a:endParaRPr lang="en-US" dirty="0"/>
           </a:p>
@@ -1081,7 +1085,7 @@
             <a:fld id="{B61BEF0D-F0BB-DE4B-95CE-6DB70DBA9567}" type="datetimeFigureOut">
               <a:rPr lang="en-US" dirty="0"/>
               <a:pPr/>
-              <a:t>5/21/2020</a:t>
+              <a:t>5/30/2020</a:t>
             </a:fld>
             <a:endParaRPr lang="en-US" dirty="0"/>
           </a:p>
@@ -1392,7 +1396,7 @@
             <a:fld id="{B61BEF0D-F0BB-DE4B-95CE-6DB70DBA9567}" type="datetimeFigureOut">
               <a:rPr lang="en-US" dirty="0"/>
               <a:pPr/>
-              <a:t>5/21/2020</a:t>
+              <a:t>5/30/2020</a:t>
             </a:fld>
             <a:endParaRPr lang="en-US" dirty="0"/>
           </a:p>
@@ -1730,7 +1734,7 @@
             <a:fld id="{B61BEF0D-F0BB-DE4B-95CE-6DB70DBA9567}" type="datetimeFigureOut">
               <a:rPr lang="en-US" dirty="0"/>
               <a:pPr/>
-              <a:t>5/21/2020</a:t>
+              <a:t>5/30/2020</a:t>
             </a:fld>
             <a:endParaRPr lang="en-US" dirty="0"/>
           </a:p>
@@ -2041,7 +2045,7 @@
             <a:fld id="{B61BEF0D-F0BB-DE4B-95CE-6DB70DBA9567}" type="datetimeFigureOut">
               <a:rPr lang="en-US" dirty="0"/>
               <a:pPr/>
-              <a:t>5/21/2020</a:t>
+              <a:t>5/30/2020</a:t>
             </a:fld>
             <a:endParaRPr lang="en-US" dirty="0"/>
           </a:p>
@@ -2431,7 +2435,7 @@
             <a:fld id="{B61BEF0D-F0BB-DE4B-95CE-6DB70DBA9567}" type="datetimeFigureOut">
               <a:rPr lang="en-US" dirty="0"/>
               <a:pPr/>
-              <a:t>5/21/2020</a:t>
+              <a:t>5/30/2020</a:t>
             </a:fld>
             <a:endParaRPr lang="en-US" dirty="0"/>
           </a:p>
@@ -2597,7 +2601,7 @@
           <a:p>
             <a:fld id="{55C6B4A9-1611-4792-9094-5F34BCA07E0B}" type="datetimeFigureOut">
               <a:rPr lang="en-US" dirty="0"/>
-              <a:t>5/21/2020</a:t>
+              <a:t>5/30/2020</a:t>
             </a:fld>
             <a:endParaRPr lang="en-US" dirty="0"/>
           </a:p>
@@ -2773,7 +2777,7 @@
             <a:fld id="{B61BEF0D-F0BB-DE4B-95CE-6DB70DBA9567}" type="datetimeFigureOut">
               <a:rPr lang="en-US" dirty="0"/>
               <a:pPr/>
-              <a:t>5/21/2020</a:t>
+              <a:t>5/30/2020</a:t>
             </a:fld>
             <a:endParaRPr lang="en-US" dirty="0"/>
           </a:p>
@@ -2946,7 +2950,7 @@
             <a:fld id="{B61BEF0D-F0BB-DE4B-95CE-6DB70DBA9567}" type="datetimeFigureOut">
               <a:rPr lang="en-US" dirty="0"/>
               <a:pPr/>
-              <a:t>5/21/2020</a:t>
+              <a:t>5/30/2020</a:t>
             </a:fld>
             <a:endParaRPr lang="en-US" dirty="0"/>
           </a:p>
@@ -3190,7 +3194,7 @@
             <a:fld id="{B61BEF0D-F0BB-DE4B-95CE-6DB70DBA9567}" type="datetimeFigureOut">
               <a:rPr lang="en-US" dirty="0"/>
               <a:pPr/>
-              <a:t>5/21/2020</a:t>
+              <a:t>5/30/2020</a:t>
             </a:fld>
             <a:endParaRPr lang="en-US" dirty="0"/>
           </a:p>
@@ -3418,7 +3422,7 @@
           <a:p>
             <a:fld id="{EB712588-04B1-427B-82EE-E8DB90309F08}" type="datetimeFigureOut">
               <a:rPr lang="en-US" dirty="0"/>
-              <a:t>5/21/2020</a:t>
+              <a:t>5/30/2020</a:t>
             </a:fld>
             <a:endParaRPr lang="en-US" dirty="0"/>
           </a:p>
@@ -3788,7 +3792,7 @@
             <a:fld id="{B61BEF0D-F0BB-DE4B-95CE-6DB70DBA9567}" type="datetimeFigureOut">
               <a:rPr lang="en-US" dirty="0"/>
               <a:pPr/>
-              <a:t>5/21/2020</a:t>
+              <a:t>5/30/2020</a:t>
             </a:fld>
             <a:endParaRPr lang="en-US" dirty="0"/>
           </a:p>
@@ -3908,7 +3912,7 @@
             <a:fld id="{B61BEF0D-F0BB-DE4B-95CE-6DB70DBA9567}" type="datetimeFigureOut">
               <a:rPr lang="en-US" dirty="0"/>
               <a:pPr/>
-              <a:t>5/21/2020</a:t>
+              <a:t>5/30/2020</a:t>
             </a:fld>
             <a:endParaRPr lang="en-US" dirty="0"/>
           </a:p>
@@ -4000,7 +4004,7 @@
             <a:fld id="{B61BEF0D-F0BB-DE4B-95CE-6DB70DBA9567}" type="datetimeFigureOut">
               <a:rPr lang="en-US" dirty="0"/>
               <a:pPr/>
-              <a:t>5/21/2020</a:t>
+              <a:t>5/30/2020</a:t>
             </a:fld>
             <a:endParaRPr lang="en-US" dirty="0"/>
           </a:p>
@@ -4251,7 +4255,7 @@
           <a:p>
             <a:fld id="{42A54C80-263E-416B-A8E0-580EDEADCBDC}" type="datetimeFigureOut">
               <a:rPr lang="en-US" dirty="0"/>
-              <a:t>5/21/2020</a:t>
+              <a:t>5/30/2020</a:t>
             </a:fld>
             <a:endParaRPr lang="en-US" dirty="0"/>
           </a:p>
@@ -4510,7 +4514,7 @@
             <a:fld id="{B61BEF0D-F0BB-DE4B-95CE-6DB70DBA9567}" type="datetimeFigureOut">
               <a:rPr lang="en-US" dirty="0"/>
               <a:pPr/>
-              <a:t>5/21/2020</a:t>
+              <a:t>5/30/2020</a:t>
             </a:fld>
             <a:endParaRPr lang="en-US" dirty="0"/>
           </a:p>
@@ -5250,7 +5254,7 @@
             <a:fld id="{B61BEF0D-F0BB-DE4B-95CE-6DB70DBA9567}" type="datetimeFigureOut">
               <a:rPr lang="en-US" dirty="0"/>
               <a:pPr/>
-              <a:t>5/21/2020</a:t>
+              <a:t>5/30/2020</a:t>
             </a:fld>
             <a:endParaRPr lang="en-US" dirty="0"/>
           </a:p>
@@ -5888,14 +5892,7 @@
             </a:r>
             <a:r>
               <a:rPr lang="en-US" dirty="0"/>
-              <a:t> Automation use case: </a:t>
-            </a:r>
-            <a:br>
-              <a:rPr lang="en-US" dirty="0"/>
-            </a:br>
-            <a:r>
-              <a:rPr lang="en-US" dirty="0"/>
-              <a:t>To check state of the disks</a:t>
+              <a:t> Automation Framework</a:t>
             </a:r>
           </a:p>
         </p:txBody>
@@ -6371,7 +6368,7 @@
         <p:spPr>
           <a:xfrm>
             <a:off x="1317167" y="3552150"/>
-            <a:ext cx="663964" cy="723275"/>
+            <a:ext cx="726481" cy="723275"/>
           </a:xfrm>
           <a:prstGeom prst="rect">
             <a:avLst/>
@@ -6418,7 +6415,7 @@
                 </a:solidFill>
                 <a:ea typeface="ＭＳ Ｐゴシック" pitchFamily="34" charset="-128"/>
               </a:rPr>
-              <a:t>Access</a:t>
+              <a:t>TestSuite1</a:t>
             </a:r>
           </a:p>
           <a:p>
@@ -6437,7 +6434,7 @@
                 </a:solidFill>
                 <a:ea typeface="ＭＳ Ｐゴシック" pitchFamily="34" charset="-128"/>
               </a:rPr>
-              <a:t>Storage</a:t>
+              <a:t>TestSuite2</a:t>
             </a:r>
           </a:p>
           <a:p>
@@ -6456,7 +6453,7 @@
                 </a:solidFill>
                 <a:ea typeface="ＭＳ Ｐゴシック" pitchFamily="34" charset="-128"/>
               </a:rPr>
-              <a:t>Security</a:t>
+              <a:t>TestSuite3</a:t>
             </a:r>
           </a:p>
           <a:p>
@@ -6468,15 +6465,12 @@
                 <a:spcPct val="0"/>
               </a:spcAft>
             </a:pPr>
-            <a:r>
-              <a:rPr lang="en-US" sz="800" dirty="0">
-                <a:solidFill>
-                  <a:srgbClr val="000000"/>
-                </a:solidFill>
-                <a:ea typeface="ＭＳ Ｐゴシック" pitchFamily="34" charset="-128"/>
-              </a:rPr>
-              <a:t>Connection</a:t>
-            </a:r>
+            <a:endParaRPr lang="en-US" sz="800" dirty="0">
+              <a:solidFill>
+                <a:srgbClr val="000000"/>
+              </a:solidFill>
+              <a:ea typeface="ＭＳ Ｐゴシック" pitchFamily="34" charset="-128"/>
+            </a:endParaRPr>
           </a:p>
         </p:txBody>
       </p:sp>
@@ -7135,66 +7129,6 @@
       </p:sp>
       <p:pic>
         <p:nvPicPr>
-          <p:cNvPr id="19" name="Picture 3">
-            <a:extLst>
-              <a:ext uri="{FF2B5EF4-FFF2-40B4-BE49-F238E27FC236}">
-                <a16:creationId xmlns:a16="http://schemas.microsoft.com/office/drawing/2014/main" id="{01D446F4-EC11-4698-9F05-F7D727252AC3}"/>
-              </a:ext>
-            </a:extLst>
-          </p:cNvPr>
-          <p:cNvPicPr>
-            <a:picLocks noChangeAspect="1" noChangeArrowheads="1"/>
-          </p:cNvPicPr>
-          <p:nvPr/>
-        </p:nvPicPr>
-        <p:blipFill>
-          <a:blip r:embed="rId5">
-            <a:extLst>
-              <a:ext uri="{28A0092B-C50C-407E-A947-70E740481C1C}">
-                <a14:useLocalDpi xmlns:a14="http://schemas.microsoft.com/office/drawing/2010/main" val="0"/>
-              </a:ext>
-            </a:extLst>
-          </a:blip>
-          <a:srcRect/>
-          <a:stretch>
-            <a:fillRect/>
-          </a:stretch>
-        </p:blipFill>
-        <p:spPr bwMode="auto">
-          <a:xfrm>
-            <a:off x="7298636" y="2057307"/>
-            <a:ext cx="1732803" cy="3748327"/>
-          </a:xfrm>
-          <a:prstGeom prst="rect">
-            <a:avLst/>
-          </a:prstGeom>
-          <a:noFill/>
-          <a:ln>
-            <a:noFill/>
-          </a:ln>
-          <a:extLst>
-            <a:ext uri="{909E8E84-426E-40DD-AFC4-6F175D3DCCD1}">
-              <a14:hiddenFill xmlns:a14="http://schemas.microsoft.com/office/drawing/2010/main">
-                <a:solidFill>
-                  <a:schemeClr val="accent1"/>
-                </a:solidFill>
-              </a14:hiddenFill>
-            </a:ext>
-            <a:ext uri="{91240B29-F687-4F45-9708-019B960494DF}">
-              <a14:hiddenLine xmlns:a14="http://schemas.microsoft.com/office/drawing/2010/main" w="9525">
-                <a:solidFill>
-                  <a:schemeClr val="tx1"/>
-                </a:solidFill>
-                <a:miter lim="800000"/>
-                <a:headEnd/>
-                <a:tailEnd/>
-              </a14:hiddenLine>
-            </a:ext>
-          </a:extLst>
-        </p:spPr>
-      </p:pic>
-      <p:pic>
-        <p:nvPicPr>
           <p:cNvPr id="20" name="Picture 5" descr="C:\Users\KMGH0692\Desktop\getlargeimage.png">
             <a:extLst>
               <a:ext uri="{FF2B5EF4-FFF2-40B4-BE49-F238E27FC236}">
@@ -7208,7 +7142,7 @@
           <p:nvPr/>
         </p:nvPicPr>
         <p:blipFill>
-          <a:blip r:embed="rId6" cstate="print">
+          <a:blip r:embed="rId5" cstate="print">
             <a:extLst>
               <a:ext uri="{28A0092B-C50C-407E-A947-70E740481C1C}">
                 <a14:useLocalDpi xmlns:a14="http://schemas.microsoft.com/office/drawing/2010/main" val="0"/>
@@ -7443,217 +7377,6 @@
       </p:sp>
       <p:sp>
         <p:nvSpPr>
-          <p:cNvPr id="23" name="Right Arrow 39">
-            <a:extLst>
-              <a:ext uri="{FF2B5EF4-FFF2-40B4-BE49-F238E27FC236}">
-                <a16:creationId xmlns:a16="http://schemas.microsoft.com/office/drawing/2014/main" id="{9E9C25AE-B4C8-4D04-ABA9-8223287A5E0D}"/>
-              </a:ext>
-            </a:extLst>
-          </p:cNvPr>
-          <p:cNvSpPr/>
-          <p:nvPr/>
-        </p:nvSpPr>
-        <p:spPr>
-          <a:xfrm>
-            <a:off x="3420397" y="2761042"/>
-            <a:ext cx="3845256" cy="1111287"/>
-          </a:xfrm>
-          <a:prstGeom prst="rightArrow">
-            <a:avLst>
-              <a:gd name="adj1" fmla="val 47771"/>
-              <a:gd name="adj2" fmla="val 38940"/>
-            </a:avLst>
-          </a:prstGeom>
-          <a:solidFill>
-            <a:schemeClr val="tx2">
-              <a:lumMod val="60000"/>
-              <a:lumOff val="40000"/>
-            </a:schemeClr>
-          </a:solidFill>
-        </p:spPr>
-        <p:style>
-          <a:lnRef idx="2">
-            <a:schemeClr val="accent1">
-              <a:shade val="50000"/>
-            </a:schemeClr>
-          </a:lnRef>
-          <a:fillRef idx="1">
-            <a:schemeClr val="accent1"/>
-          </a:fillRef>
-          <a:effectRef idx="0">
-            <a:schemeClr val="accent1"/>
-          </a:effectRef>
-          <a:fontRef idx="minor">
-            <a:schemeClr val="lt1"/>
-          </a:fontRef>
-        </p:style>
-        <p:txBody>
-          <a:bodyPr rtlCol="0" anchor="ctr"/>
-          <a:lstStyle/>
-          <a:p>
-            <a:pPr algn="ctr"/>
-            <a:r>
-              <a:rPr lang="en-US" sz="1200" dirty="0">
-                <a:solidFill>
-                  <a:schemeClr val="bg1"/>
-                </a:solidFill>
-              </a:rPr>
-              <a:t>Execute command </a:t>
-            </a:r>
-          </a:p>
-          <a:p>
-            <a:pPr algn="ctr"/>
-            <a:r>
-              <a:rPr lang="en-US" sz="1200" dirty="0">
-                <a:solidFill>
-                  <a:schemeClr val="bg1"/>
-                </a:solidFill>
-              </a:rPr>
-              <a:t>“system node run -node initenasnoinc1a </a:t>
-            </a:r>
-            <a:r>
-              <a:rPr lang="en-US" sz="1200" dirty="0" err="1">
-                <a:solidFill>
-                  <a:schemeClr val="bg1"/>
-                </a:solidFill>
-              </a:rPr>
-              <a:t>vol</a:t>
-            </a:r>
-            <a:r>
-              <a:rPr lang="en-US" sz="1200" dirty="0">
-                <a:solidFill>
-                  <a:schemeClr val="bg1"/>
-                </a:solidFill>
-              </a:rPr>
-              <a:t> status –f” To check disk state </a:t>
-            </a:r>
-          </a:p>
-        </p:txBody>
-      </p:sp>
-      <p:sp>
-        <p:nvSpPr>
-          <p:cNvPr id="24" name="Left Arrow 6">
-            <a:extLst>
-              <a:ext uri="{FF2B5EF4-FFF2-40B4-BE49-F238E27FC236}">
-                <a16:creationId xmlns:a16="http://schemas.microsoft.com/office/drawing/2014/main" id="{C0786C92-5151-4BEC-822C-D5D2F70C1964}"/>
-              </a:ext>
-            </a:extLst>
-          </p:cNvPr>
-          <p:cNvSpPr/>
-          <p:nvPr/>
-        </p:nvSpPr>
-        <p:spPr>
-          <a:xfrm>
-            <a:off x="3403371" y="3832149"/>
-            <a:ext cx="3715441" cy="741452"/>
-          </a:xfrm>
-          <a:prstGeom prst="leftArrow">
-            <a:avLst>
-              <a:gd name="adj1" fmla="val 50000"/>
-              <a:gd name="adj2" fmla="val 41023"/>
-            </a:avLst>
-          </a:prstGeom>
-          <a:solidFill>
-            <a:schemeClr val="tx2">
-              <a:lumMod val="60000"/>
-              <a:lumOff val="40000"/>
-            </a:schemeClr>
-          </a:solidFill>
-        </p:spPr>
-        <p:style>
-          <a:lnRef idx="2">
-            <a:schemeClr val="accent1">
-              <a:shade val="50000"/>
-            </a:schemeClr>
-          </a:lnRef>
-          <a:fillRef idx="1">
-            <a:schemeClr val="accent1"/>
-          </a:fillRef>
-          <a:effectRef idx="0">
-            <a:schemeClr val="accent1"/>
-          </a:effectRef>
-          <a:fontRef idx="minor">
-            <a:schemeClr val="lt1"/>
-          </a:fontRef>
-        </p:style>
-        <p:txBody>
-          <a:bodyPr rtlCol="0" anchor="ctr"/>
-          <a:lstStyle/>
-          <a:p>
-            <a:pPr algn="ctr"/>
-            <a:r>
-              <a:rPr lang="en-US" sz="1200" dirty="0">
-                <a:solidFill>
-                  <a:schemeClr val="bg1"/>
-                </a:solidFill>
-              </a:rPr>
-              <a:t>Get command output and verify that it should not have any broken disks</a:t>
-            </a:r>
-          </a:p>
-        </p:txBody>
-      </p:sp>
-      <p:sp>
-        <p:nvSpPr>
-          <p:cNvPr id="25" name="Rounded Rectangle 15">
-            <a:extLst>
-              <a:ext uri="{FF2B5EF4-FFF2-40B4-BE49-F238E27FC236}">
-                <a16:creationId xmlns:a16="http://schemas.microsoft.com/office/drawing/2014/main" id="{58302A87-FB76-4C89-87CA-1F9A24C1CF4E}"/>
-              </a:ext>
-            </a:extLst>
-          </p:cNvPr>
-          <p:cNvSpPr/>
-          <p:nvPr/>
-        </p:nvSpPr>
-        <p:spPr>
-          <a:xfrm rot="16200000">
-            <a:off x="-332956" y="3634191"/>
-            <a:ext cx="2400300" cy="395916"/>
-          </a:xfrm>
-          <a:prstGeom prst="roundRect">
-            <a:avLst/>
-          </a:prstGeom>
-          <a:solidFill>
-            <a:schemeClr val="tx2">
-              <a:lumMod val="60000"/>
-              <a:lumOff val="40000"/>
-            </a:schemeClr>
-          </a:solidFill>
-          <a:ln>
-            <a:solidFill>
-              <a:schemeClr val="bg1"/>
-            </a:solidFill>
-          </a:ln>
-        </p:spPr>
-        <p:style>
-          <a:lnRef idx="2">
-            <a:schemeClr val="accent1">
-              <a:shade val="50000"/>
-            </a:schemeClr>
-          </a:lnRef>
-          <a:fillRef idx="1">
-            <a:schemeClr val="accent1"/>
-          </a:fillRef>
-          <a:effectRef idx="0">
-            <a:schemeClr val="accent1"/>
-          </a:effectRef>
-          <a:fontRef idx="minor">
-            <a:schemeClr val="lt1"/>
-          </a:fontRef>
-        </p:style>
-        <p:txBody>
-          <a:bodyPr rtlCol="0" anchor="ctr"/>
-          <a:lstStyle/>
-          <a:p>
-            <a:pPr algn="ctr"/>
-            <a:r>
-              <a:rPr lang="en-US" sz="2000" dirty="0"/>
-              <a:t>Robot  Setup</a:t>
-            </a:r>
-          </a:p>
-        </p:txBody>
-      </p:sp>
-      <p:sp>
-        <p:nvSpPr>
           <p:cNvPr id="26" name="Rounded Rectangle 42">
             <a:extLst>
               <a:ext uri="{FF2B5EF4-FFF2-40B4-BE49-F238E27FC236}">
@@ -7709,135 +7432,6 @@
           </a:p>
         </p:txBody>
       </p:sp>
-      <p:sp>
-        <p:nvSpPr>
-          <p:cNvPr id="27" name="Right Arrow 44">
-            <a:extLst>
-              <a:ext uri="{FF2B5EF4-FFF2-40B4-BE49-F238E27FC236}">
-                <a16:creationId xmlns:a16="http://schemas.microsoft.com/office/drawing/2014/main" id="{C511BD77-509D-445F-AA64-9691B25F7CD5}"/>
-              </a:ext>
-            </a:extLst>
-          </p:cNvPr>
-          <p:cNvSpPr/>
-          <p:nvPr/>
-        </p:nvSpPr>
-        <p:spPr>
-          <a:xfrm>
-            <a:off x="3410729" y="1980870"/>
-            <a:ext cx="3810000" cy="774574"/>
-          </a:xfrm>
-          <a:prstGeom prst="rightArrow">
-            <a:avLst/>
-          </a:prstGeom>
-          <a:solidFill>
-            <a:schemeClr val="tx2">
-              <a:lumMod val="60000"/>
-              <a:lumOff val="40000"/>
-            </a:schemeClr>
-          </a:solidFill>
-        </p:spPr>
-        <p:style>
-          <a:lnRef idx="2">
-            <a:schemeClr val="accent1">
-              <a:shade val="50000"/>
-            </a:schemeClr>
-          </a:lnRef>
-          <a:fillRef idx="1">
-            <a:schemeClr val="accent1"/>
-          </a:fillRef>
-          <a:effectRef idx="0">
-            <a:schemeClr val="accent1"/>
-          </a:effectRef>
-          <a:fontRef idx="minor">
-            <a:schemeClr val="lt1"/>
-          </a:fontRef>
-        </p:style>
-        <p:txBody>
-          <a:bodyPr rtlCol="0" anchor="ctr"/>
-          <a:lstStyle/>
-          <a:p>
-            <a:pPr algn="ctr"/>
-            <a:r>
-              <a:rPr lang="en-US" sz="1200" dirty="0">
-                <a:solidFill>
-                  <a:schemeClr val="bg1"/>
-                </a:solidFill>
-              </a:rPr>
-              <a:t>Create SSH Connection</a:t>
-            </a:r>
-          </a:p>
-          <a:p>
-            <a:pPr algn="ctr"/>
-            <a:r>
-              <a:rPr lang="en-US" sz="1200" dirty="0">
-                <a:solidFill>
-                  <a:schemeClr val="bg1"/>
-                </a:solidFill>
-              </a:rPr>
-              <a:t>with user credentials</a:t>
-            </a:r>
-          </a:p>
-        </p:txBody>
-      </p:sp>
-      <p:sp>
-        <p:nvSpPr>
-          <p:cNvPr id="28" name="Right Arrow 26">
-            <a:extLst>
-              <a:ext uri="{FF2B5EF4-FFF2-40B4-BE49-F238E27FC236}">
-                <a16:creationId xmlns:a16="http://schemas.microsoft.com/office/drawing/2014/main" id="{A8ED95BD-6E64-432E-B574-0AC9AF0DBA13}"/>
-              </a:ext>
-            </a:extLst>
-          </p:cNvPr>
-          <p:cNvSpPr/>
-          <p:nvPr/>
-        </p:nvSpPr>
-        <p:spPr>
-          <a:xfrm>
-            <a:off x="3420397" y="4552279"/>
-            <a:ext cx="3810000" cy="677426"/>
-          </a:xfrm>
-          <a:prstGeom prst="rightArrow">
-            <a:avLst/>
-          </a:prstGeom>
-          <a:solidFill>
-            <a:schemeClr val="tx2">
-              <a:lumMod val="60000"/>
-              <a:lumOff val="40000"/>
-            </a:schemeClr>
-          </a:solidFill>
-        </p:spPr>
-        <p:style>
-          <a:lnRef idx="2">
-            <a:schemeClr val="accent1">
-              <a:shade val="50000"/>
-            </a:schemeClr>
-          </a:lnRef>
-          <a:fillRef idx="1">
-            <a:schemeClr val="accent1"/>
-          </a:fillRef>
-          <a:effectRef idx="0">
-            <a:schemeClr val="accent1"/>
-          </a:effectRef>
-          <a:fontRef idx="minor">
-            <a:schemeClr val="lt1"/>
-          </a:fontRef>
-        </p:style>
-        <p:txBody>
-          <a:bodyPr rtlCol="0" anchor="ctr"/>
-          <a:lstStyle/>
-          <a:p>
-            <a:pPr algn="ctr"/>
-            <a:r>
-              <a:rPr lang="en-US" sz="1200" dirty="0">
-                <a:solidFill>
-                  <a:schemeClr val="bg1"/>
-                </a:solidFill>
-              </a:rPr>
-              <a:t>Close SSH Connection</a:t>
-            </a:r>
-          </a:p>
-        </p:txBody>
-      </p:sp>
     </p:spTree>
     <p:extLst>
       <p:ext uri="{BB962C8B-B14F-4D97-AF65-F5344CB8AC3E}">
@@ -7869,7 +7463,7 @@
                             </p:stCondLst>
                             <p:childTnLst>
                               <p:par>
-                                <p:cTn id="5" presetID="42" presetClass="entr" presetSubtype="0" fill="hold" grpId="0" nodeType="clickEffect">
+                                <p:cTn id="5" presetID="42" presetClass="entr" presetSubtype="0" fill="hold" nodeType="clickEffect">
                                   <p:stCondLst>
                                     <p:cond delay="0"/>
                                   </p:stCondLst>
@@ -7877,402 +7471,6 @@
                                     <p:set>
                                       <p:cBhvr>
                                         <p:cTn id="6" dur="1" fill="hold">
-                                          <p:stCondLst>
-                                            <p:cond delay="0"/>
-                                          </p:stCondLst>
-                                        </p:cTn>
-                                        <p:tgtEl>
-                                          <p:spTgt spid="27"/>
-                                        </p:tgtEl>
-                                        <p:attrNameLst>
-                                          <p:attrName>style.visibility</p:attrName>
-                                        </p:attrNameLst>
-                                      </p:cBhvr>
-                                      <p:to>
-                                        <p:strVal val="visible"/>
-                                      </p:to>
-                                    </p:set>
-                                    <p:animEffect transition="in" filter="fade">
-                                      <p:cBhvr>
-                                        <p:cTn id="7" dur="1000"/>
-                                        <p:tgtEl>
-                                          <p:spTgt spid="27"/>
-                                        </p:tgtEl>
-                                      </p:cBhvr>
-                                    </p:animEffect>
-                                    <p:anim calcmode="lin" valueType="num">
-                                      <p:cBhvr>
-                                        <p:cTn id="8" dur="1000" fill="hold"/>
-                                        <p:tgtEl>
-                                          <p:spTgt spid="27"/>
-                                        </p:tgtEl>
-                                        <p:attrNameLst>
-                                          <p:attrName>ppt_x</p:attrName>
-                                        </p:attrNameLst>
-                                      </p:cBhvr>
-                                      <p:tavLst>
-                                        <p:tav tm="0">
-                                          <p:val>
-                                            <p:strVal val="#ppt_x"/>
-                                          </p:val>
-                                        </p:tav>
-                                        <p:tav tm="100000">
-                                          <p:val>
-                                            <p:strVal val="#ppt_x"/>
-                                          </p:val>
-                                        </p:tav>
-                                      </p:tavLst>
-                                    </p:anim>
-                                    <p:anim calcmode="lin" valueType="num">
-                                      <p:cBhvr>
-                                        <p:cTn id="9" dur="1000" fill="hold"/>
-                                        <p:tgtEl>
-                                          <p:spTgt spid="27"/>
-                                        </p:tgtEl>
-                                        <p:attrNameLst>
-                                          <p:attrName>ppt_y</p:attrName>
-                                        </p:attrNameLst>
-                                      </p:cBhvr>
-                                      <p:tavLst>
-                                        <p:tav tm="0">
-                                          <p:val>
-                                            <p:strVal val="#ppt_y+.1"/>
-                                          </p:val>
-                                        </p:tav>
-                                        <p:tav tm="100000">
-                                          <p:val>
-                                            <p:strVal val="#ppt_y"/>
-                                          </p:val>
-                                        </p:tav>
-                                      </p:tavLst>
-                                    </p:anim>
-                                  </p:childTnLst>
-                                </p:cTn>
-                              </p:par>
-                            </p:childTnLst>
-                          </p:cTn>
-                        </p:par>
-                      </p:childTnLst>
-                    </p:cTn>
-                  </p:par>
-                  <p:par>
-                    <p:cTn id="10" fill="hold">
-                      <p:stCondLst>
-                        <p:cond delay="indefinite"/>
-                      </p:stCondLst>
-                      <p:childTnLst>
-                        <p:par>
-                          <p:cTn id="11" fill="hold">
-                            <p:stCondLst>
-                              <p:cond delay="0"/>
-                            </p:stCondLst>
-                            <p:childTnLst>
-                              <p:par>
-                                <p:cTn id="12" presetID="42" presetClass="entr" presetSubtype="0" fill="hold" grpId="0" nodeType="clickEffect">
-                                  <p:stCondLst>
-                                    <p:cond delay="0"/>
-                                  </p:stCondLst>
-                                  <p:childTnLst>
-                                    <p:set>
-                                      <p:cBhvr>
-                                        <p:cTn id="13" dur="1" fill="hold">
-                                          <p:stCondLst>
-                                            <p:cond delay="0"/>
-                                          </p:stCondLst>
-                                        </p:cTn>
-                                        <p:tgtEl>
-                                          <p:spTgt spid="23"/>
-                                        </p:tgtEl>
-                                        <p:attrNameLst>
-                                          <p:attrName>style.visibility</p:attrName>
-                                        </p:attrNameLst>
-                                      </p:cBhvr>
-                                      <p:to>
-                                        <p:strVal val="visible"/>
-                                      </p:to>
-                                    </p:set>
-                                    <p:animEffect transition="in" filter="fade">
-                                      <p:cBhvr>
-                                        <p:cTn id="14" dur="1000"/>
-                                        <p:tgtEl>
-                                          <p:spTgt spid="23"/>
-                                        </p:tgtEl>
-                                      </p:cBhvr>
-                                    </p:animEffect>
-                                    <p:anim calcmode="lin" valueType="num">
-                                      <p:cBhvr>
-                                        <p:cTn id="15" dur="1000" fill="hold"/>
-                                        <p:tgtEl>
-                                          <p:spTgt spid="23"/>
-                                        </p:tgtEl>
-                                        <p:attrNameLst>
-                                          <p:attrName>ppt_x</p:attrName>
-                                        </p:attrNameLst>
-                                      </p:cBhvr>
-                                      <p:tavLst>
-                                        <p:tav tm="0">
-                                          <p:val>
-                                            <p:strVal val="#ppt_x"/>
-                                          </p:val>
-                                        </p:tav>
-                                        <p:tav tm="100000">
-                                          <p:val>
-                                            <p:strVal val="#ppt_x"/>
-                                          </p:val>
-                                        </p:tav>
-                                      </p:tavLst>
-                                    </p:anim>
-                                    <p:anim calcmode="lin" valueType="num">
-                                      <p:cBhvr>
-                                        <p:cTn id="16" dur="1000" fill="hold"/>
-                                        <p:tgtEl>
-                                          <p:spTgt spid="23"/>
-                                        </p:tgtEl>
-                                        <p:attrNameLst>
-                                          <p:attrName>ppt_y</p:attrName>
-                                        </p:attrNameLst>
-                                      </p:cBhvr>
-                                      <p:tavLst>
-                                        <p:tav tm="0">
-                                          <p:val>
-                                            <p:strVal val="#ppt_y+.1"/>
-                                          </p:val>
-                                        </p:tav>
-                                        <p:tav tm="100000">
-                                          <p:val>
-                                            <p:strVal val="#ppt_y"/>
-                                          </p:val>
-                                        </p:tav>
-                                      </p:tavLst>
-                                    </p:anim>
-                                  </p:childTnLst>
-                                </p:cTn>
-                              </p:par>
-                            </p:childTnLst>
-                          </p:cTn>
-                        </p:par>
-                      </p:childTnLst>
-                    </p:cTn>
-                  </p:par>
-                  <p:par>
-                    <p:cTn id="17" fill="hold">
-                      <p:stCondLst>
-                        <p:cond delay="indefinite"/>
-                      </p:stCondLst>
-                      <p:childTnLst>
-                        <p:par>
-                          <p:cTn id="18" fill="hold">
-                            <p:stCondLst>
-                              <p:cond delay="0"/>
-                            </p:stCondLst>
-                            <p:childTnLst>
-                              <p:par>
-                                <p:cTn id="19" presetID="42" presetClass="entr" presetSubtype="0" fill="hold" grpId="0" nodeType="clickEffect">
-                                  <p:stCondLst>
-                                    <p:cond delay="0"/>
-                                  </p:stCondLst>
-                                  <p:childTnLst>
-                                    <p:set>
-                                      <p:cBhvr>
-                                        <p:cTn id="20" dur="1" fill="hold">
-                                          <p:stCondLst>
-                                            <p:cond delay="0"/>
-                                          </p:stCondLst>
-                                        </p:cTn>
-                                        <p:tgtEl>
-                                          <p:spTgt spid="24"/>
-                                        </p:tgtEl>
-                                        <p:attrNameLst>
-                                          <p:attrName>style.visibility</p:attrName>
-                                        </p:attrNameLst>
-                                      </p:cBhvr>
-                                      <p:to>
-                                        <p:strVal val="visible"/>
-                                      </p:to>
-                                    </p:set>
-                                    <p:animEffect transition="in" filter="fade">
-                                      <p:cBhvr>
-                                        <p:cTn id="21" dur="1000"/>
-                                        <p:tgtEl>
-                                          <p:spTgt spid="24"/>
-                                        </p:tgtEl>
-                                      </p:cBhvr>
-                                    </p:animEffect>
-                                    <p:anim calcmode="lin" valueType="num">
-                                      <p:cBhvr>
-                                        <p:cTn id="22" dur="1000" fill="hold"/>
-                                        <p:tgtEl>
-                                          <p:spTgt spid="24"/>
-                                        </p:tgtEl>
-                                        <p:attrNameLst>
-                                          <p:attrName>ppt_x</p:attrName>
-                                        </p:attrNameLst>
-                                      </p:cBhvr>
-                                      <p:tavLst>
-                                        <p:tav tm="0">
-                                          <p:val>
-                                            <p:strVal val="#ppt_x"/>
-                                          </p:val>
-                                        </p:tav>
-                                        <p:tav tm="100000">
-                                          <p:val>
-                                            <p:strVal val="#ppt_x"/>
-                                          </p:val>
-                                        </p:tav>
-                                      </p:tavLst>
-                                    </p:anim>
-                                    <p:anim calcmode="lin" valueType="num">
-                                      <p:cBhvr>
-                                        <p:cTn id="23" dur="1000" fill="hold"/>
-                                        <p:tgtEl>
-                                          <p:spTgt spid="24"/>
-                                        </p:tgtEl>
-                                        <p:attrNameLst>
-                                          <p:attrName>ppt_y</p:attrName>
-                                        </p:attrNameLst>
-                                      </p:cBhvr>
-                                      <p:tavLst>
-                                        <p:tav tm="0">
-                                          <p:val>
-                                            <p:strVal val="#ppt_y+.1"/>
-                                          </p:val>
-                                        </p:tav>
-                                        <p:tav tm="100000">
-                                          <p:val>
-                                            <p:strVal val="#ppt_y"/>
-                                          </p:val>
-                                        </p:tav>
-                                      </p:tavLst>
-                                    </p:anim>
-                                  </p:childTnLst>
-                                </p:cTn>
-                              </p:par>
-                            </p:childTnLst>
-                          </p:cTn>
-                        </p:par>
-                      </p:childTnLst>
-                    </p:cTn>
-                  </p:par>
-                  <p:par>
-                    <p:cTn id="24" fill="hold">
-                      <p:stCondLst>
-                        <p:cond delay="indefinite"/>
-                      </p:stCondLst>
-                      <p:childTnLst>
-                        <p:par>
-                          <p:cTn id="25" fill="hold">
-                            <p:stCondLst>
-                              <p:cond delay="0"/>
-                            </p:stCondLst>
-                            <p:childTnLst>
-                              <p:par>
-                                <p:cTn id="26" presetID="42" presetClass="entr" presetSubtype="0" fill="hold" grpId="0" nodeType="clickEffect">
-                                  <p:stCondLst>
-                                    <p:cond delay="0"/>
-                                  </p:stCondLst>
-                                  <p:childTnLst>
-                                    <p:set>
-                                      <p:cBhvr>
-                                        <p:cTn id="27" dur="1" fill="hold">
-                                          <p:stCondLst>
-                                            <p:cond delay="0"/>
-                                          </p:stCondLst>
-                                        </p:cTn>
-                                        <p:tgtEl>
-                                          <p:spTgt spid="28"/>
-                                        </p:tgtEl>
-                                        <p:attrNameLst>
-                                          <p:attrName>style.visibility</p:attrName>
-                                        </p:attrNameLst>
-                                      </p:cBhvr>
-                                      <p:to>
-                                        <p:strVal val="visible"/>
-                                      </p:to>
-                                    </p:set>
-                                    <p:animEffect transition="in" filter="fade">
-                                      <p:cBhvr>
-                                        <p:cTn id="28" dur="1000"/>
-                                        <p:tgtEl>
-                                          <p:spTgt spid="28"/>
-                                        </p:tgtEl>
-                                      </p:cBhvr>
-                                    </p:animEffect>
-                                    <p:anim calcmode="lin" valueType="num">
-                                      <p:cBhvr>
-                                        <p:cTn id="29" dur="1000" fill="hold"/>
-                                        <p:tgtEl>
-                                          <p:spTgt spid="28"/>
-                                        </p:tgtEl>
-                                        <p:attrNameLst>
-                                          <p:attrName>ppt_x</p:attrName>
-                                        </p:attrNameLst>
-                                      </p:cBhvr>
-                                      <p:tavLst>
-                                        <p:tav tm="0">
-                                          <p:val>
-                                            <p:strVal val="#ppt_x"/>
-                                          </p:val>
-                                        </p:tav>
-                                        <p:tav tm="100000">
-                                          <p:val>
-                                            <p:strVal val="#ppt_x"/>
-                                          </p:val>
-                                        </p:tav>
-                                      </p:tavLst>
-                                    </p:anim>
-                                    <p:anim calcmode="lin" valueType="num">
-                                      <p:cBhvr>
-                                        <p:cTn id="30" dur="1000" fill="hold"/>
-                                        <p:tgtEl>
-                                          <p:spTgt spid="28"/>
-                                        </p:tgtEl>
-                                        <p:attrNameLst>
-                                          <p:attrName>ppt_y</p:attrName>
-                                        </p:attrNameLst>
-                                      </p:cBhvr>
-                                      <p:tavLst>
-                                        <p:tav tm="0">
-                                          <p:val>
-                                            <p:strVal val="#ppt_y+.1"/>
-                                          </p:val>
-                                        </p:tav>
-                                        <p:tav tm="100000">
-                                          <p:val>
-                                            <p:strVal val="#ppt_y"/>
-                                          </p:val>
-                                        </p:tav>
-                                      </p:tavLst>
-                                    </p:anim>
-                                  </p:childTnLst>
-                                </p:cTn>
-                              </p:par>
-                            </p:childTnLst>
-                          </p:cTn>
-                        </p:par>
-                      </p:childTnLst>
-                    </p:cTn>
-                  </p:par>
-                  <p:par>
-                    <p:cTn id="31" fill="hold">
-                      <p:stCondLst>
-                        <p:cond delay="indefinite"/>
-                      </p:stCondLst>
-                      <p:childTnLst>
-                        <p:par>
-                          <p:cTn id="32" fill="hold">
-                            <p:stCondLst>
-                              <p:cond delay="0"/>
-                            </p:stCondLst>
-                            <p:childTnLst>
-                              <p:par>
-                                <p:cTn id="33" presetID="42" presetClass="entr" presetSubtype="0" fill="hold" nodeType="clickEffect">
-                                  <p:stCondLst>
-                                    <p:cond delay="0"/>
-                                  </p:stCondLst>
-                                  <p:childTnLst>
-                                    <p:set>
-                                      <p:cBhvr>
-                                        <p:cTn id="34" dur="1" fill="hold">
                                           <p:stCondLst>
                                             <p:cond delay="0"/>
                                           </p:stCondLst>
@@ -8290,7 +7488,7 @@
                                     </p:set>
                                     <p:animEffect transition="in" filter="fade">
                                       <p:cBhvr>
-                                        <p:cTn id="35" dur="1000"/>
+                                        <p:cTn id="7" dur="1000"/>
                                         <p:tgtEl>
                                           <p:spTgt spid="13"/>
                                         </p:tgtEl>
@@ -8298,7 +7496,7 @@
                                     </p:animEffect>
                                     <p:anim calcmode="lin" valueType="num">
                                       <p:cBhvr>
-                                        <p:cTn id="36" dur="1000" fill="hold"/>
+                                        <p:cTn id="8" dur="1000" fill="hold"/>
                                         <p:tgtEl>
                                           <p:spTgt spid="13"/>
                                         </p:tgtEl>
@@ -8321,7 +7519,7 @@
                                     </p:anim>
                                     <p:anim calcmode="lin" valueType="num">
                                       <p:cBhvr>
-                                        <p:cTn id="37" dur="1000" fill="hold"/>
+                                        <p:cTn id="9" dur="1000" fill="hold"/>
                                         <p:tgtEl>
                                           <p:spTgt spid="13"/>
                                         </p:tgtEl>
@@ -8346,14 +7544,14 @@
                                 </p:cTn>
                               </p:par>
                               <p:par>
-                                <p:cTn id="38" presetID="42" presetClass="entr" presetSubtype="0" fill="hold" grpId="0" nodeType="withEffect">
+                                <p:cTn id="10" presetID="42" presetClass="entr" presetSubtype="0" fill="hold" grpId="0" nodeType="withEffect">
                                   <p:stCondLst>
                                     <p:cond delay="0"/>
                                   </p:stCondLst>
                                   <p:childTnLst>
                                     <p:set>
                                       <p:cBhvr>
-                                        <p:cTn id="39" dur="1" fill="hold">
+                                        <p:cTn id="11" dur="1" fill="hold">
                                           <p:stCondLst>
                                             <p:cond delay="0"/>
                                           </p:stCondLst>
@@ -8371,7 +7569,7 @@
                                     </p:set>
                                     <p:animEffect transition="in" filter="fade">
                                       <p:cBhvr>
-                                        <p:cTn id="40" dur="1000"/>
+                                        <p:cTn id="12" dur="1000"/>
                                         <p:tgtEl>
                                           <p:spTgt spid="17"/>
                                         </p:tgtEl>
@@ -8379,7 +7577,7 @@
                                     </p:animEffect>
                                     <p:anim calcmode="lin" valueType="num">
                                       <p:cBhvr>
-                                        <p:cTn id="41" dur="1000" fill="hold"/>
+                                        <p:cTn id="13" dur="1000" fill="hold"/>
                                         <p:tgtEl>
                                           <p:spTgt spid="17"/>
                                         </p:tgtEl>
@@ -8402,7 +7600,7 @@
                                     </p:anim>
                                     <p:anim calcmode="lin" valueType="num">
                                       <p:cBhvr>
-                                        <p:cTn id="42" dur="1000" fill="hold"/>
+                                        <p:cTn id="14" dur="1000" fill="hold"/>
                                         <p:tgtEl>
                                           <p:spTgt spid="17"/>
                                         </p:tgtEl>
@@ -8427,14 +7625,14 @@
                                 </p:cTn>
                               </p:par>
                               <p:par>
-                                <p:cTn id="43" presetID="42" presetClass="entr" presetSubtype="0" fill="hold" nodeType="withEffect">
+                                <p:cTn id="15" presetID="42" presetClass="entr" presetSubtype="0" fill="hold" nodeType="withEffect">
                                   <p:stCondLst>
                                     <p:cond delay="0"/>
                                   </p:stCondLst>
                                   <p:childTnLst>
                                     <p:set>
                                       <p:cBhvr>
-                                        <p:cTn id="44" dur="1" fill="hold">
+                                        <p:cTn id="16" dur="1" fill="hold">
                                           <p:stCondLst>
                                             <p:cond delay="0"/>
                                           </p:stCondLst>
@@ -8452,7 +7650,7 @@
                                     </p:set>
                                     <p:animEffect transition="in" filter="fade">
                                       <p:cBhvr>
-                                        <p:cTn id="45" dur="1000"/>
+                                        <p:cTn id="17" dur="1000"/>
                                         <p:tgtEl>
                                           <p:spTgt spid="14"/>
                                         </p:tgtEl>
@@ -8460,7 +7658,7 @@
                                     </p:animEffect>
                                     <p:anim calcmode="lin" valueType="num">
                                       <p:cBhvr>
-                                        <p:cTn id="46" dur="1000" fill="hold"/>
+                                        <p:cTn id="18" dur="1000" fill="hold"/>
                                         <p:tgtEl>
                                           <p:spTgt spid="14"/>
                                         </p:tgtEl>
@@ -8483,7 +7681,7 @@
                                     </p:anim>
                                     <p:anim calcmode="lin" valueType="num">
                                       <p:cBhvr>
-                                        <p:cTn id="47" dur="1000" fill="hold"/>
+                                        <p:cTn id="19" dur="1000" fill="hold"/>
                                         <p:tgtEl>
                                           <p:spTgt spid="14"/>
                                         </p:tgtEl>
@@ -8508,14 +7706,14 @@
                                 </p:cTn>
                               </p:par>
                               <p:par>
-                                <p:cTn id="48" presetID="42" presetClass="entr" presetSubtype="0" fill="hold" nodeType="withEffect">
+                                <p:cTn id="20" presetID="42" presetClass="entr" presetSubtype="0" fill="hold" nodeType="withEffect">
                                   <p:stCondLst>
                                     <p:cond delay="0"/>
                                   </p:stCondLst>
                                   <p:childTnLst>
                                     <p:set>
                                       <p:cBhvr>
-                                        <p:cTn id="49" dur="1" fill="hold">
+                                        <p:cTn id="21" dur="1" fill="hold">
                                           <p:stCondLst>
                                             <p:cond delay="0"/>
                                           </p:stCondLst>
@@ -8533,7 +7731,7 @@
                                     </p:set>
                                     <p:animEffect transition="in" filter="fade">
                                       <p:cBhvr>
-                                        <p:cTn id="50" dur="1000"/>
+                                        <p:cTn id="22" dur="1000"/>
                                         <p:tgtEl>
                                           <p:spTgt spid="15"/>
                                         </p:tgtEl>
@@ -8541,7 +7739,7 @@
                                     </p:animEffect>
                                     <p:anim calcmode="lin" valueType="num">
                                       <p:cBhvr>
-                                        <p:cTn id="51" dur="1000" fill="hold"/>
+                                        <p:cTn id="23" dur="1000" fill="hold"/>
                                         <p:tgtEl>
                                           <p:spTgt spid="15"/>
                                         </p:tgtEl>
@@ -8564,7 +7762,7 @@
                                     </p:anim>
                                     <p:anim calcmode="lin" valueType="num">
                                       <p:cBhvr>
-                                        <p:cTn id="52" dur="1000" fill="hold"/>
+                                        <p:cTn id="24" dur="1000" fill="hold"/>
                                         <p:tgtEl>
                                           <p:spTgt spid="15"/>
                                         </p:tgtEl>
@@ -8589,14 +7787,14 @@
                                 </p:cTn>
                               </p:par>
                               <p:par>
-                                <p:cTn id="53" presetID="42" presetClass="entr" presetSubtype="0" fill="hold" grpId="0" nodeType="withEffect">
+                                <p:cTn id="25" presetID="42" presetClass="entr" presetSubtype="0" fill="hold" grpId="0" nodeType="withEffect">
                                   <p:stCondLst>
                                     <p:cond delay="0"/>
                                   </p:stCondLst>
                                   <p:childTnLst>
                                     <p:set>
                                       <p:cBhvr>
-                                        <p:cTn id="54" dur="1" fill="hold">
+                                        <p:cTn id="26" dur="1" fill="hold">
                                           <p:stCondLst>
                                             <p:cond delay="0"/>
                                           </p:stCondLst>
@@ -8614,7 +7812,7 @@
                                     </p:set>
                                     <p:animEffect transition="in" filter="fade">
                                       <p:cBhvr>
-                                        <p:cTn id="55" dur="1000"/>
+                                        <p:cTn id="27" dur="1000"/>
                                         <p:tgtEl>
                                           <p:spTgt spid="12"/>
                                         </p:tgtEl>
@@ -8622,7 +7820,7 @@
                                     </p:animEffect>
                                     <p:anim calcmode="lin" valueType="num">
                                       <p:cBhvr>
-                                        <p:cTn id="56" dur="1000" fill="hold"/>
+                                        <p:cTn id="28" dur="1000" fill="hold"/>
                                         <p:tgtEl>
                                           <p:spTgt spid="12"/>
                                         </p:tgtEl>
@@ -8645,7 +7843,7 @@
                                     </p:anim>
                                     <p:anim calcmode="lin" valueType="num">
                                       <p:cBhvr>
-                                        <p:cTn id="57" dur="1000" fill="hold"/>
+                                        <p:cTn id="29" dur="1000" fill="hold"/>
                                         <p:tgtEl>
                                           <p:spTgt spid="12"/>
                                         </p:tgtEl>
@@ -8699,2347 +7897,12 @@
     <p:bldLst>
       <p:bldP spid="12" grpId="0" animBg="1"/>
       <p:bldP spid="17" grpId="0"/>
-      <p:bldP spid="23" grpId="0" animBg="1"/>
-      <p:bldP spid="24" grpId="0" animBg="1"/>
-      <p:bldP spid="27" grpId="0" animBg="1"/>
-      <p:bldP spid="28" grpId="0" animBg="1"/>
     </p:bldLst>
   </p:timing>
 </p:sld>
 </file>
 
 <file path=ppt/slides/slide3.xml><?xml version="1.0" encoding="utf-8"?>
-<p:sld xmlns:a="http://schemas.openxmlformats.org/drawingml/2006/main" xmlns:r="http://schemas.openxmlformats.org/officeDocument/2006/relationships" xmlns:p="http://schemas.openxmlformats.org/presentationml/2006/main">
-  <p:cSld>
-    <p:spTree>
-      <p:nvGrpSpPr>
-        <p:cNvPr id="1" name=""/>
-        <p:cNvGrpSpPr/>
-        <p:nvPr/>
-      </p:nvGrpSpPr>
-      <p:grpSpPr>
-        <a:xfrm>
-          <a:off x="0" y="0"/>
-          <a:ext cx="0" cy="0"/>
-          <a:chOff x="0" y="0"/>
-          <a:chExt cx="0" cy="0"/>
-        </a:xfrm>
-      </p:grpSpPr>
-      <p:sp>
-        <p:nvSpPr>
-          <p:cNvPr id="2" name="Title 1">
-            <a:extLst>
-              <a:ext uri="{FF2B5EF4-FFF2-40B4-BE49-F238E27FC236}">
-                <a16:creationId xmlns:a16="http://schemas.microsoft.com/office/drawing/2014/main" id="{65BF7C58-DCA2-485C-B093-76EAA8CD0725}"/>
-              </a:ext>
-            </a:extLst>
-          </p:cNvPr>
-          <p:cNvSpPr>
-            <a:spLocks noGrp="1"/>
-          </p:cNvSpPr>
-          <p:nvPr>
-            <p:ph type="title"/>
-          </p:nvPr>
-        </p:nvSpPr>
-        <p:spPr>
-          <a:xfrm>
-            <a:off x="677334" y="609600"/>
-            <a:ext cx="8596668" cy="685260"/>
-          </a:xfrm>
-        </p:spPr>
-        <p:txBody>
-          <a:bodyPr/>
-          <a:lstStyle/>
-          <a:p>
-            <a:r>
-              <a:rPr lang="en-US" dirty="0"/>
-              <a:t>NetApp Automation flow via Jenkins</a:t>
-            </a:r>
-          </a:p>
-        </p:txBody>
-      </p:sp>
-      <p:sp>
-        <p:nvSpPr>
-          <p:cNvPr id="4" name="Rounded Rectangle 1">
-            <a:extLst>
-              <a:ext uri="{FF2B5EF4-FFF2-40B4-BE49-F238E27FC236}">
-                <a16:creationId xmlns:a16="http://schemas.microsoft.com/office/drawing/2014/main" id="{732431EC-35E1-42C7-827F-08D125983BF4}"/>
-              </a:ext>
-            </a:extLst>
-          </p:cNvPr>
-          <p:cNvSpPr/>
-          <p:nvPr/>
-        </p:nvSpPr>
-        <p:spPr>
-          <a:xfrm>
-            <a:off x="2917998" y="1930400"/>
-            <a:ext cx="6313288" cy="3486150"/>
-          </a:xfrm>
-          <a:prstGeom prst="roundRect">
-            <a:avLst/>
-          </a:prstGeom>
-          <a:solidFill>
-            <a:schemeClr val="accent3">
-              <a:lumMod val="60000"/>
-              <a:lumOff val="40000"/>
-            </a:schemeClr>
-          </a:solidFill>
-          <a:ln>
-            <a:prstDash val="lgDash"/>
-          </a:ln>
-        </p:spPr>
-        <p:style>
-          <a:lnRef idx="2">
-            <a:schemeClr val="accent1">
-              <a:shade val="50000"/>
-            </a:schemeClr>
-          </a:lnRef>
-          <a:fillRef idx="1">
-            <a:schemeClr val="accent1"/>
-          </a:fillRef>
-          <a:effectRef idx="0">
-            <a:schemeClr val="accent1"/>
-          </a:effectRef>
-          <a:fontRef idx="minor">
-            <a:schemeClr val="lt1"/>
-          </a:fontRef>
-        </p:style>
-        <p:txBody>
-          <a:bodyPr rtlCol="0" anchor="ctr"/>
-          <a:lstStyle/>
-          <a:p>
-            <a:pPr algn="ctr"/>
-            <a:endParaRPr lang="en-US">
-              <a:solidFill>
-                <a:srgbClr val="000000"/>
-              </a:solidFill>
-            </a:endParaRPr>
-          </a:p>
-        </p:txBody>
-      </p:sp>
-      <p:sp>
-        <p:nvSpPr>
-          <p:cNvPr id="5" name="Flowchart: Magnetic Disk 4">
-            <a:extLst>
-              <a:ext uri="{FF2B5EF4-FFF2-40B4-BE49-F238E27FC236}">
-                <a16:creationId xmlns:a16="http://schemas.microsoft.com/office/drawing/2014/main" id="{9E46D417-4A59-4BDD-A5BA-0289DE54BEE1}"/>
-              </a:ext>
-            </a:extLst>
-          </p:cNvPr>
-          <p:cNvSpPr/>
-          <p:nvPr/>
-        </p:nvSpPr>
-        <p:spPr>
-          <a:xfrm>
-            <a:off x="8087396" y="2857123"/>
-            <a:ext cx="983953" cy="783759"/>
-          </a:xfrm>
-          <a:prstGeom prst="flowChartMagneticDisk">
-            <a:avLst/>
-          </a:prstGeom>
-          <a:solidFill>
-            <a:schemeClr val="accent1">
-              <a:lumMod val="60000"/>
-              <a:lumOff val="40000"/>
-            </a:schemeClr>
-          </a:solidFill>
-        </p:spPr>
-        <p:style>
-          <a:lnRef idx="2">
-            <a:schemeClr val="accent1">
-              <a:shade val="50000"/>
-            </a:schemeClr>
-          </a:lnRef>
-          <a:fillRef idx="1">
-            <a:schemeClr val="accent1"/>
-          </a:fillRef>
-          <a:effectRef idx="0">
-            <a:schemeClr val="accent1"/>
-          </a:effectRef>
-          <a:fontRef idx="minor">
-            <a:schemeClr val="lt1"/>
-          </a:fontRef>
-        </p:style>
-        <p:txBody>
-          <a:bodyPr rtlCol="0" anchor="ctr"/>
-          <a:lstStyle/>
-          <a:p>
-            <a:pPr algn="ctr"/>
-            <a:r>
-              <a:rPr lang="en-US" b="1" dirty="0">
-                <a:solidFill>
-                  <a:srgbClr val="000000"/>
-                </a:solidFill>
-                <a:latin typeface="Calibri" panose="020F0502020204030204" pitchFamily="34" charset="0"/>
-              </a:rPr>
-              <a:t>Master GIT</a:t>
-            </a:r>
-          </a:p>
-        </p:txBody>
-      </p:sp>
-      <p:sp>
-        <p:nvSpPr>
-          <p:cNvPr id="6" name="Rounded Rectangle 11">
-            <a:extLst>
-              <a:ext uri="{FF2B5EF4-FFF2-40B4-BE49-F238E27FC236}">
-                <a16:creationId xmlns:a16="http://schemas.microsoft.com/office/drawing/2014/main" id="{ECFDAC25-1BD6-4144-9CAE-1F5886C538FF}"/>
-              </a:ext>
-            </a:extLst>
-          </p:cNvPr>
-          <p:cNvSpPr/>
-          <p:nvPr/>
-        </p:nvSpPr>
-        <p:spPr>
-          <a:xfrm>
-            <a:off x="933748" y="4203600"/>
-            <a:ext cx="1066800" cy="597107"/>
-          </a:xfrm>
-          <a:prstGeom prst="roundRect">
-            <a:avLst/>
-          </a:prstGeom>
-          <a:solidFill>
-            <a:schemeClr val="accent1">
-              <a:lumMod val="60000"/>
-              <a:lumOff val="40000"/>
-            </a:schemeClr>
-          </a:solidFill>
-        </p:spPr>
-        <p:style>
-          <a:lnRef idx="2">
-            <a:schemeClr val="accent1">
-              <a:shade val="50000"/>
-            </a:schemeClr>
-          </a:lnRef>
-          <a:fillRef idx="1">
-            <a:schemeClr val="accent1"/>
-          </a:fillRef>
-          <a:effectRef idx="0">
-            <a:schemeClr val="accent1"/>
-          </a:effectRef>
-          <a:fontRef idx="minor">
-            <a:schemeClr val="lt1"/>
-          </a:fontRef>
-        </p:style>
-        <p:txBody>
-          <a:bodyPr rtlCol="0" anchor="ctr"/>
-          <a:lstStyle/>
-          <a:p>
-            <a:pPr algn="ctr"/>
-            <a:r>
-              <a:rPr lang="en-US" dirty="0">
-                <a:solidFill>
-                  <a:srgbClr val="000000"/>
-                </a:solidFill>
-                <a:latin typeface="Calibri" panose="020F0502020204030204" pitchFamily="34" charset="0"/>
-              </a:rPr>
-              <a:t>Jenkins UI</a:t>
-            </a:r>
-          </a:p>
-        </p:txBody>
-      </p:sp>
-      <p:cxnSp>
-        <p:nvCxnSpPr>
-          <p:cNvPr id="7" name="Straight Arrow Connector 6">
-            <a:extLst>
-              <a:ext uri="{FF2B5EF4-FFF2-40B4-BE49-F238E27FC236}">
-                <a16:creationId xmlns:a16="http://schemas.microsoft.com/office/drawing/2014/main" id="{EE9DF85D-9BBE-4448-AD6E-DD978D5C70AA}"/>
-              </a:ext>
-            </a:extLst>
-          </p:cNvPr>
-          <p:cNvCxnSpPr>
-            <a:endCxn id="6" idx="0"/>
-          </p:cNvCxnSpPr>
-          <p:nvPr/>
-        </p:nvCxnSpPr>
-        <p:spPr>
-          <a:xfrm>
-            <a:off x="1467148" y="3387729"/>
-            <a:ext cx="0" cy="815870"/>
-          </a:xfrm>
-          <a:prstGeom prst="straightConnector1">
-            <a:avLst/>
-          </a:prstGeom>
-          <a:ln w="38100">
-            <a:solidFill>
-              <a:schemeClr val="bg1">
-                <a:lumMod val="50000"/>
-              </a:schemeClr>
-            </a:solidFill>
-            <a:tailEnd type="arrow"/>
-          </a:ln>
-        </p:spPr>
-        <p:style>
-          <a:lnRef idx="1">
-            <a:schemeClr val="accent1"/>
-          </a:lnRef>
-          <a:fillRef idx="0">
-            <a:schemeClr val="accent1"/>
-          </a:fillRef>
-          <a:effectRef idx="0">
-            <a:schemeClr val="accent1"/>
-          </a:effectRef>
-          <a:fontRef idx="minor">
-            <a:schemeClr val="tx1"/>
-          </a:fontRef>
-        </p:style>
-      </p:cxnSp>
-      <p:sp>
-        <p:nvSpPr>
-          <p:cNvPr id="8" name="TextBox 7">
-            <a:extLst>
-              <a:ext uri="{FF2B5EF4-FFF2-40B4-BE49-F238E27FC236}">
-                <a16:creationId xmlns:a16="http://schemas.microsoft.com/office/drawing/2014/main" id="{F44DFD5E-FAD8-4938-94EB-13229AF32497}"/>
-              </a:ext>
-            </a:extLst>
-          </p:cNvPr>
-          <p:cNvSpPr txBox="1"/>
-          <p:nvPr/>
-        </p:nvSpPr>
-        <p:spPr>
-          <a:xfrm>
-            <a:off x="385550" y="3436771"/>
-            <a:ext cx="982338" cy="830997"/>
-          </a:xfrm>
-          <a:prstGeom prst="rect">
-            <a:avLst/>
-          </a:prstGeom>
-          <a:noFill/>
-        </p:spPr>
-        <p:txBody>
-          <a:bodyPr wrap="square" rtlCol="0">
-            <a:spAutoFit/>
-          </a:bodyPr>
-          <a:lstStyle/>
-          <a:p>
-            <a:r>
-              <a:rPr lang="en-US" sz="1200" dirty="0">
-                <a:solidFill>
-                  <a:srgbClr val="000000"/>
-                </a:solidFill>
-                <a:latin typeface="Calibri" panose="020F0502020204030204" pitchFamily="34" charset="0"/>
-              </a:rPr>
-              <a:t>Upload YAML file with Setup details</a:t>
-            </a:r>
-          </a:p>
-        </p:txBody>
-      </p:sp>
-      <p:cxnSp>
-        <p:nvCxnSpPr>
-          <p:cNvPr id="9" name="Elbow Connector 19">
-            <a:extLst>
-              <a:ext uri="{FF2B5EF4-FFF2-40B4-BE49-F238E27FC236}">
-                <a16:creationId xmlns:a16="http://schemas.microsoft.com/office/drawing/2014/main" id="{90C1F23D-4E76-4AA0-ADE0-348624E7EF35}"/>
-              </a:ext>
-            </a:extLst>
-          </p:cNvPr>
-          <p:cNvCxnSpPr/>
-          <p:nvPr/>
-        </p:nvCxnSpPr>
-        <p:spPr>
-          <a:xfrm rot="10800000">
-            <a:off x="7010800" y="2622324"/>
-            <a:ext cx="1076599" cy="645004"/>
-          </a:xfrm>
-          <a:prstGeom prst="bentConnector3">
-            <a:avLst>
-              <a:gd name="adj1" fmla="val 50000"/>
-            </a:avLst>
-          </a:prstGeom>
-          <a:ln w="38100">
-            <a:solidFill>
-              <a:schemeClr val="bg1">
-                <a:lumMod val="50000"/>
-              </a:schemeClr>
-            </a:solidFill>
-            <a:tailEnd type="arrow"/>
-          </a:ln>
-        </p:spPr>
-        <p:style>
-          <a:lnRef idx="1">
-            <a:schemeClr val="accent1"/>
-          </a:lnRef>
-          <a:fillRef idx="0">
-            <a:schemeClr val="accent1"/>
-          </a:fillRef>
-          <a:effectRef idx="0">
-            <a:schemeClr val="accent1"/>
-          </a:effectRef>
-          <a:fontRef idx="minor">
-            <a:schemeClr val="tx1"/>
-          </a:fontRef>
-        </p:style>
-      </p:cxnSp>
-      <p:sp>
-        <p:nvSpPr>
-          <p:cNvPr id="11" name="TextBox 10">
-            <a:extLst>
-              <a:ext uri="{FF2B5EF4-FFF2-40B4-BE49-F238E27FC236}">
-                <a16:creationId xmlns:a16="http://schemas.microsoft.com/office/drawing/2014/main" id="{B26C627D-14DD-4684-A61F-DAF627E82099}"/>
-              </a:ext>
-            </a:extLst>
-          </p:cNvPr>
-          <p:cNvSpPr txBox="1"/>
-          <p:nvPr/>
-        </p:nvSpPr>
-        <p:spPr>
-          <a:xfrm>
-            <a:off x="1907814" y="4347583"/>
-            <a:ext cx="1265572" cy="276999"/>
-          </a:xfrm>
-          <a:prstGeom prst="rect">
-            <a:avLst/>
-          </a:prstGeom>
-          <a:noFill/>
-        </p:spPr>
-        <p:txBody>
-          <a:bodyPr wrap="square" rtlCol="0">
-            <a:spAutoFit/>
-          </a:bodyPr>
-          <a:lstStyle/>
-          <a:p>
-            <a:r>
-              <a:rPr lang="en-US" sz="1200" dirty="0">
-                <a:solidFill>
-                  <a:srgbClr val="000000"/>
-                </a:solidFill>
-                <a:latin typeface="Calibri" panose="020F0502020204030204" pitchFamily="34" charset="0"/>
-              </a:rPr>
-              <a:t>YAML File Sync</a:t>
-            </a:r>
-          </a:p>
-        </p:txBody>
-      </p:sp>
-      <p:sp>
-        <p:nvSpPr>
-          <p:cNvPr id="12" name="Rounded Rectangle 12">
-            <a:extLst>
-              <a:ext uri="{FF2B5EF4-FFF2-40B4-BE49-F238E27FC236}">
-                <a16:creationId xmlns:a16="http://schemas.microsoft.com/office/drawing/2014/main" id="{BFFB1EAB-161C-476B-86B5-66C5A9F7C146}"/>
-              </a:ext>
-            </a:extLst>
-          </p:cNvPr>
-          <p:cNvSpPr/>
-          <p:nvPr/>
-        </p:nvSpPr>
-        <p:spPr>
-          <a:xfrm>
-            <a:off x="5375352" y="2255064"/>
-            <a:ext cx="1635446" cy="692447"/>
-          </a:xfrm>
-          <a:prstGeom prst="roundRect">
-            <a:avLst/>
-          </a:prstGeom>
-          <a:solidFill>
-            <a:schemeClr val="accent1">
-              <a:lumMod val="60000"/>
-              <a:lumOff val="40000"/>
-            </a:schemeClr>
-          </a:solidFill>
-        </p:spPr>
-        <p:style>
-          <a:lnRef idx="2">
-            <a:schemeClr val="accent1">
-              <a:shade val="50000"/>
-            </a:schemeClr>
-          </a:lnRef>
-          <a:fillRef idx="1">
-            <a:schemeClr val="accent1"/>
-          </a:fillRef>
-          <a:effectRef idx="0">
-            <a:schemeClr val="accent1"/>
-          </a:effectRef>
-          <a:fontRef idx="minor">
-            <a:schemeClr val="lt1"/>
-          </a:fontRef>
-        </p:style>
-        <p:txBody>
-          <a:bodyPr rtlCol="0" anchor="ctr"/>
-          <a:lstStyle/>
-          <a:p>
-            <a:pPr algn="ctr"/>
-            <a:r>
-              <a:rPr lang="en-US" b="1" dirty="0">
-                <a:solidFill>
-                  <a:srgbClr val="000000"/>
-                </a:solidFill>
-                <a:latin typeface="Calibri" panose="020F0502020204030204" pitchFamily="34" charset="0"/>
-              </a:rPr>
-              <a:t>Robot Exec</a:t>
-            </a:r>
-          </a:p>
-        </p:txBody>
-      </p:sp>
-      <p:sp>
-        <p:nvSpPr>
-          <p:cNvPr id="13" name="TextBox 12">
-            <a:extLst>
-              <a:ext uri="{FF2B5EF4-FFF2-40B4-BE49-F238E27FC236}">
-                <a16:creationId xmlns:a16="http://schemas.microsoft.com/office/drawing/2014/main" id="{933F0C51-B95C-4A57-A212-29099C3551B6}"/>
-              </a:ext>
-            </a:extLst>
-          </p:cNvPr>
-          <p:cNvSpPr txBox="1"/>
-          <p:nvPr/>
-        </p:nvSpPr>
-        <p:spPr>
-          <a:xfrm>
-            <a:off x="6824637" y="3845168"/>
-            <a:ext cx="1480817" cy="276999"/>
-          </a:xfrm>
-          <a:prstGeom prst="rect">
-            <a:avLst/>
-          </a:prstGeom>
-          <a:noFill/>
-        </p:spPr>
-        <p:txBody>
-          <a:bodyPr wrap="square" rtlCol="0">
-            <a:spAutoFit/>
-          </a:bodyPr>
-          <a:lstStyle/>
-          <a:p>
-            <a:r>
-              <a:rPr lang="en-US" sz="1200" dirty="0">
-                <a:solidFill>
-                  <a:srgbClr val="000000"/>
-                </a:solidFill>
-                <a:latin typeface="Calibri" panose="020F0502020204030204" pitchFamily="34" charset="0"/>
-              </a:rPr>
-              <a:t>Test Case Executions</a:t>
-            </a:r>
-          </a:p>
-        </p:txBody>
-      </p:sp>
-      <p:grpSp>
-        <p:nvGrpSpPr>
-          <p:cNvPr id="14" name="Group 13">
-            <a:extLst>
-              <a:ext uri="{FF2B5EF4-FFF2-40B4-BE49-F238E27FC236}">
-                <a16:creationId xmlns:a16="http://schemas.microsoft.com/office/drawing/2014/main" id="{C15DCB77-72BD-40C3-9418-93DDA2F543CA}"/>
-              </a:ext>
-            </a:extLst>
-          </p:cNvPr>
-          <p:cNvGrpSpPr/>
-          <p:nvPr/>
-        </p:nvGrpSpPr>
-        <p:grpSpPr>
-          <a:xfrm>
-            <a:off x="805939" y="2806507"/>
-            <a:ext cx="966010" cy="516329"/>
-            <a:chOff x="490053" y="2311142"/>
-            <a:chExt cx="966010" cy="688439"/>
-          </a:xfrm>
-        </p:grpSpPr>
-        <p:pic>
-          <p:nvPicPr>
-            <p:cNvPr id="15" name="Picture 2" descr="C:\Users\WZND3959\Downloads\admin.png">
-              <a:extLst>
-                <a:ext uri="{FF2B5EF4-FFF2-40B4-BE49-F238E27FC236}">
-                  <a16:creationId xmlns:a16="http://schemas.microsoft.com/office/drawing/2014/main" id="{A0EC1F8B-51E2-47F3-B517-FDE0610EB1A0}"/>
-                </a:ext>
-              </a:extLst>
-            </p:cNvPr>
-            <p:cNvPicPr>
-              <a:picLocks noChangeAspect="1" noChangeArrowheads="1"/>
-            </p:cNvPicPr>
-            <p:nvPr/>
-          </p:nvPicPr>
-          <p:blipFill>
-            <a:blip r:embed="rId2" cstate="print">
-              <a:extLst>
-                <a:ext uri="{28A0092B-C50C-407E-A947-70E740481C1C}">
-                  <a14:useLocalDpi xmlns:a14="http://schemas.microsoft.com/office/drawing/2010/main" val="0"/>
-                </a:ext>
-              </a:extLst>
-            </a:blip>
-            <a:srcRect/>
-            <a:stretch>
-              <a:fillRect/>
-            </a:stretch>
-          </p:blipFill>
-          <p:spPr bwMode="auto">
-            <a:xfrm>
-              <a:off x="846463" y="2311142"/>
-              <a:ext cx="609600" cy="688439"/>
-            </a:xfrm>
-            <a:prstGeom prst="rect">
-              <a:avLst/>
-            </a:prstGeom>
-            <a:noFill/>
-            <a:extLst>
-              <a:ext uri="{909E8E84-426E-40DD-AFC4-6F175D3DCCD1}">
-                <a14:hiddenFill xmlns:a14="http://schemas.microsoft.com/office/drawing/2010/main">
-                  <a:solidFill>
-                    <a:srgbClr val="FFFFFF"/>
-                  </a:solidFill>
-                </a14:hiddenFill>
-              </a:ext>
-            </a:extLst>
-          </p:spPr>
-        </p:pic>
-        <p:sp>
-          <p:nvSpPr>
-            <p:cNvPr id="16" name="Rectangle 15">
-              <a:extLst>
-                <a:ext uri="{FF2B5EF4-FFF2-40B4-BE49-F238E27FC236}">
-                  <a16:creationId xmlns:a16="http://schemas.microsoft.com/office/drawing/2014/main" id="{026E8D01-F467-43DD-BEAE-05A887DAA5FB}"/>
-                </a:ext>
-              </a:extLst>
-            </p:cNvPr>
-            <p:cNvSpPr/>
-            <p:nvPr/>
-          </p:nvSpPr>
-          <p:spPr>
-            <a:xfrm>
-              <a:off x="490053" y="2573395"/>
-              <a:ext cx="474810" cy="369332"/>
-            </a:xfrm>
-            <a:prstGeom prst="rect">
-              <a:avLst/>
-            </a:prstGeom>
-          </p:spPr>
-          <p:txBody>
-            <a:bodyPr wrap="none">
-              <a:spAutoFit/>
-            </a:bodyPr>
-            <a:lstStyle/>
-            <a:p>
-              <a:r>
-                <a:rPr lang="en-US" sz="1200" dirty="0">
-                  <a:solidFill>
-                    <a:srgbClr val="000000"/>
-                  </a:solidFill>
-                  <a:latin typeface="Calibri" panose="020F0502020204030204" pitchFamily="34" charset="0"/>
-                </a:rPr>
-                <a:t>User</a:t>
-              </a:r>
-            </a:p>
-          </p:txBody>
-        </p:sp>
-      </p:grpSp>
-      <p:sp>
-        <p:nvSpPr>
-          <p:cNvPr id="17" name="TextBox 16">
-            <a:extLst>
-              <a:ext uri="{FF2B5EF4-FFF2-40B4-BE49-F238E27FC236}">
-                <a16:creationId xmlns:a16="http://schemas.microsoft.com/office/drawing/2014/main" id="{FD8B7387-6E1C-499D-B924-2B4E65594324}"/>
-              </a:ext>
-            </a:extLst>
-          </p:cNvPr>
-          <p:cNvSpPr txBox="1"/>
-          <p:nvPr/>
-        </p:nvSpPr>
-        <p:spPr>
-          <a:xfrm>
-            <a:off x="2906687" y="2473318"/>
-            <a:ext cx="1417971" cy="276999"/>
-          </a:xfrm>
-          <a:prstGeom prst="rect">
-            <a:avLst/>
-          </a:prstGeom>
-          <a:noFill/>
-        </p:spPr>
-        <p:txBody>
-          <a:bodyPr wrap="square" rtlCol="0">
-            <a:spAutoFit/>
-          </a:bodyPr>
-          <a:lstStyle/>
-          <a:p>
-            <a:r>
-              <a:rPr lang="en-US" sz="1200" dirty="0">
-                <a:solidFill>
-                  <a:srgbClr val="000000"/>
-                </a:solidFill>
-                <a:latin typeface="Calibri" panose="020F0502020204030204" pitchFamily="34" charset="0"/>
-              </a:rPr>
-              <a:t>Publish Reports</a:t>
-            </a:r>
-          </a:p>
-        </p:txBody>
-      </p:sp>
-      <p:cxnSp>
-        <p:nvCxnSpPr>
-          <p:cNvPr id="18" name="Elbow Connector 133">
-            <a:extLst>
-              <a:ext uri="{FF2B5EF4-FFF2-40B4-BE49-F238E27FC236}">
-                <a16:creationId xmlns:a16="http://schemas.microsoft.com/office/drawing/2014/main" id="{B2081CF3-4668-4C1C-A0FA-03C6E84F0F7E}"/>
-              </a:ext>
-            </a:extLst>
-          </p:cNvPr>
-          <p:cNvCxnSpPr>
-            <a:stCxn id="23" idx="3"/>
-            <a:endCxn id="12" idx="1"/>
-          </p:cNvCxnSpPr>
-          <p:nvPr/>
-        </p:nvCxnSpPr>
-        <p:spPr>
-          <a:xfrm flipV="1">
-            <a:off x="4935148" y="2601288"/>
-            <a:ext cx="440204" cy="978707"/>
-          </a:xfrm>
-          <a:prstGeom prst="bentConnector3">
-            <a:avLst>
-              <a:gd name="adj1" fmla="val 50000"/>
-            </a:avLst>
-          </a:prstGeom>
-          <a:ln w="38100">
-            <a:solidFill>
-              <a:schemeClr val="bg1">
-                <a:lumMod val="50000"/>
-              </a:schemeClr>
-            </a:solidFill>
-            <a:tailEnd type="arrow"/>
-          </a:ln>
-        </p:spPr>
-        <p:style>
-          <a:lnRef idx="1">
-            <a:schemeClr val="accent1"/>
-          </a:lnRef>
-          <a:fillRef idx="0">
-            <a:schemeClr val="accent1"/>
-          </a:fillRef>
-          <a:effectRef idx="0">
-            <a:schemeClr val="accent1"/>
-          </a:effectRef>
-          <a:fontRef idx="minor">
-            <a:schemeClr val="tx1"/>
-          </a:fontRef>
-        </p:style>
-      </p:cxnSp>
-      <p:cxnSp>
-        <p:nvCxnSpPr>
-          <p:cNvPr id="19" name="Elbow Connector 149">
-            <a:extLst>
-              <a:ext uri="{FF2B5EF4-FFF2-40B4-BE49-F238E27FC236}">
-                <a16:creationId xmlns:a16="http://schemas.microsoft.com/office/drawing/2014/main" id="{F2B770A9-54E8-42D7-BEBB-7E99F2949123}"/>
-              </a:ext>
-            </a:extLst>
-          </p:cNvPr>
-          <p:cNvCxnSpPr/>
-          <p:nvPr/>
-        </p:nvCxnSpPr>
-        <p:spPr>
-          <a:xfrm rot="5400000">
-            <a:off x="3399042" y="4374873"/>
-            <a:ext cx="851664" cy="2"/>
-          </a:xfrm>
-          <a:prstGeom prst="bentConnector3">
-            <a:avLst>
-              <a:gd name="adj1" fmla="val 50000"/>
-            </a:avLst>
-          </a:prstGeom>
-          <a:ln w="38100">
-            <a:solidFill>
-              <a:srgbClr val="92D050"/>
-            </a:solidFill>
-            <a:prstDash val="lgDash"/>
-            <a:tailEnd type="arrow"/>
-          </a:ln>
-        </p:spPr>
-        <p:style>
-          <a:lnRef idx="1">
-            <a:schemeClr val="accent1"/>
-          </a:lnRef>
-          <a:fillRef idx="0">
-            <a:schemeClr val="accent1"/>
-          </a:fillRef>
-          <a:effectRef idx="0">
-            <a:schemeClr val="accent1"/>
-          </a:effectRef>
-          <a:fontRef idx="minor">
-            <a:schemeClr val="tx1"/>
-          </a:fontRef>
-        </p:style>
-      </p:cxnSp>
-      <p:pic>
-        <p:nvPicPr>
-          <p:cNvPr id="20" name="Picture 2" descr="Image result for email icon png green">
-            <a:extLst>
-              <a:ext uri="{FF2B5EF4-FFF2-40B4-BE49-F238E27FC236}">
-                <a16:creationId xmlns:a16="http://schemas.microsoft.com/office/drawing/2014/main" id="{50E1BE86-2022-426F-A4EA-E8779A7101C1}"/>
-              </a:ext>
-            </a:extLst>
-          </p:cNvPr>
-          <p:cNvPicPr>
-            <a:picLocks noChangeAspect="1" noChangeArrowheads="1"/>
-          </p:cNvPicPr>
-          <p:nvPr/>
-        </p:nvPicPr>
-        <p:blipFill>
-          <a:blip r:embed="rId3" cstate="print">
-            <a:extLst>
-              <a:ext uri="{28A0092B-C50C-407E-A947-70E740481C1C}">
-                <a14:useLocalDpi xmlns:a14="http://schemas.microsoft.com/office/drawing/2010/main" val="0"/>
-              </a:ext>
-            </a:extLst>
-          </a:blip>
-          <a:srcRect/>
-          <a:stretch>
-            <a:fillRect/>
-          </a:stretch>
-        </p:blipFill>
-        <p:spPr bwMode="auto">
-          <a:xfrm>
-            <a:off x="3615671" y="4800707"/>
-            <a:ext cx="495421" cy="371566"/>
-          </a:xfrm>
-          <a:prstGeom prst="rect">
-            <a:avLst/>
-          </a:prstGeom>
-          <a:noFill/>
-          <a:extLst>
-            <a:ext uri="{909E8E84-426E-40DD-AFC4-6F175D3DCCD1}">
-              <a14:hiddenFill xmlns:a14="http://schemas.microsoft.com/office/drawing/2010/main">
-                <a:solidFill>
-                  <a:srgbClr val="FFFFFF"/>
-                </a:solidFill>
-              </a14:hiddenFill>
-            </a:ext>
-          </a:extLst>
-        </p:spPr>
-      </p:pic>
-      <p:sp>
-        <p:nvSpPr>
-          <p:cNvPr id="21" name="TextBox 20">
-            <a:extLst>
-              <a:ext uri="{FF2B5EF4-FFF2-40B4-BE49-F238E27FC236}">
-                <a16:creationId xmlns:a16="http://schemas.microsoft.com/office/drawing/2014/main" id="{AE624DEF-F3CA-4547-8968-447F65758B86}"/>
-              </a:ext>
-            </a:extLst>
-          </p:cNvPr>
-          <p:cNvSpPr txBox="1"/>
-          <p:nvPr/>
-        </p:nvSpPr>
-        <p:spPr>
-          <a:xfrm>
-            <a:off x="4038067" y="4534116"/>
-            <a:ext cx="1417971" cy="276999"/>
-          </a:xfrm>
-          <a:prstGeom prst="rect">
-            <a:avLst/>
-          </a:prstGeom>
-          <a:noFill/>
-        </p:spPr>
-        <p:txBody>
-          <a:bodyPr wrap="square" rtlCol="0">
-            <a:spAutoFit/>
-          </a:bodyPr>
-          <a:lstStyle/>
-          <a:p>
-            <a:r>
-              <a:rPr lang="en-US" sz="1200" dirty="0">
-                <a:solidFill>
-                  <a:srgbClr val="000000"/>
-                </a:solidFill>
-                <a:latin typeface="Calibri" panose="020F0502020204030204" pitchFamily="34" charset="0"/>
-              </a:rPr>
-              <a:t>Email Stakeholders</a:t>
-            </a:r>
-          </a:p>
-        </p:txBody>
-      </p:sp>
-      <p:grpSp>
-        <p:nvGrpSpPr>
-          <p:cNvPr id="22" name="Group 21">
-            <a:extLst>
-              <a:ext uri="{FF2B5EF4-FFF2-40B4-BE49-F238E27FC236}">
-                <a16:creationId xmlns:a16="http://schemas.microsoft.com/office/drawing/2014/main" id="{9671FC9F-5823-40C5-8622-3EA3ACB955E0}"/>
-              </a:ext>
-            </a:extLst>
-          </p:cNvPr>
-          <p:cNvGrpSpPr/>
-          <p:nvPr/>
-        </p:nvGrpSpPr>
-        <p:grpSpPr>
-          <a:xfrm>
-            <a:off x="3173386" y="3107071"/>
-            <a:ext cx="1761762" cy="945846"/>
-            <a:chOff x="2857500" y="2711895"/>
-            <a:chExt cx="1761762" cy="1122628"/>
-          </a:xfrm>
-        </p:grpSpPr>
-        <p:sp>
-          <p:nvSpPr>
-            <p:cNvPr id="23" name="Rounded Rectangle 14">
-              <a:extLst>
-                <a:ext uri="{FF2B5EF4-FFF2-40B4-BE49-F238E27FC236}">
-                  <a16:creationId xmlns:a16="http://schemas.microsoft.com/office/drawing/2014/main" id="{D70FDC66-6B05-4660-BCE1-2A65D5E01248}"/>
-                </a:ext>
-              </a:extLst>
-            </p:cNvPr>
-            <p:cNvSpPr/>
-            <p:nvPr/>
-          </p:nvSpPr>
-          <p:spPr>
-            <a:xfrm>
-              <a:off x="2857500" y="2711895"/>
-              <a:ext cx="1761762" cy="1122628"/>
-            </a:xfrm>
-            <a:prstGeom prst="roundRect">
-              <a:avLst/>
-            </a:prstGeom>
-            <a:solidFill>
-              <a:schemeClr val="accent1">
-                <a:lumMod val="60000"/>
-                <a:lumOff val="40000"/>
-              </a:schemeClr>
-            </a:solidFill>
-          </p:spPr>
-          <p:style>
-            <a:lnRef idx="2">
-              <a:schemeClr val="accent1">
-                <a:shade val="50000"/>
-              </a:schemeClr>
-            </a:lnRef>
-            <a:fillRef idx="1">
-              <a:schemeClr val="accent1"/>
-            </a:fillRef>
-            <a:effectRef idx="0">
-              <a:schemeClr val="accent1"/>
-            </a:effectRef>
-            <a:fontRef idx="minor">
-              <a:schemeClr val="lt1"/>
-            </a:fontRef>
-          </p:style>
-          <p:txBody>
-            <a:bodyPr rtlCol="0" anchor="ctr"/>
-            <a:lstStyle/>
-            <a:p>
-              <a:pPr algn="ctr"/>
-              <a:r>
-                <a:rPr lang="en-US" b="1" dirty="0">
-                  <a:solidFill>
-                    <a:srgbClr val="000000"/>
-                  </a:solidFill>
-                  <a:latin typeface="Calibri" panose="020F0502020204030204" pitchFamily="34" charset="0"/>
-                </a:rPr>
-                <a:t>Jenkins Server</a:t>
-              </a:r>
-            </a:p>
-          </p:txBody>
-        </p:sp>
-        <p:pic>
-          <p:nvPicPr>
-            <p:cNvPr id="24" name="Picture 2" descr="https://jenkins.io/images/226px-Jenkins_logo.svg.png">
-              <a:extLst>
-                <a:ext uri="{FF2B5EF4-FFF2-40B4-BE49-F238E27FC236}">
-                  <a16:creationId xmlns:a16="http://schemas.microsoft.com/office/drawing/2014/main" id="{37070327-341F-4E3B-9534-91DCC62B7EB7}"/>
-                </a:ext>
-              </a:extLst>
-            </p:cNvPr>
-            <p:cNvPicPr>
-              <a:picLocks noChangeAspect="1" noChangeArrowheads="1"/>
-            </p:cNvPicPr>
-            <p:nvPr/>
-          </p:nvPicPr>
-          <p:blipFill>
-            <a:blip r:embed="rId4" cstate="print">
-              <a:extLst>
-                <a:ext uri="{28A0092B-C50C-407E-A947-70E740481C1C}">
-                  <a14:useLocalDpi xmlns:a14="http://schemas.microsoft.com/office/drawing/2010/main" val="0"/>
-                </a:ext>
-              </a:extLst>
-            </a:blip>
-            <a:srcRect/>
-            <a:stretch>
-              <a:fillRect/>
-            </a:stretch>
-          </p:blipFill>
-          <p:spPr bwMode="auto">
-            <a:xfrm>
-              <a:off x="4150887" y="3385981"/>
-              <a:ext cx="304800" cy="420786"/>
-            </a:xfrm>
-            <a:prstGeom prst="rect">
-              <a:avLst/>
-            </a:prstGeom>
-            <a:noFill/>
-            <a:extLst>
-              <a:ext uri="{909E8E84-426E-40DD-AFC4-6F175D3DCCD1}">
-                <a14:hiddenFill xmlns:a14="http://schemas.microsoft.com/office/drawing/2010/main">
-                  <a:solidFill>
-                    <a:srgbClr val="FFFFFF"/>
-                  </a:solidFill>
-                </a14:hiddenFill>
-              </a:ext>
-            </a:extLst>
-          </p:spPr>
-        </p:pic>
-      </p:grpSp>
-      <p:sp>
-        <p:nvSpPr>
-          <p:cNvPr id="25" name="TextBox 24">
-            <a:extLst>
-              <a:ext uri="{FF2B5EF4-FFF2-40B4-BE49-F238E27FC236}">
-                <a16:creationId xmlns:a16="http://schemas.microsoft.com/office/drawing/2014/main" id="{A29F77D5-70AD-42B2-8BB0-D713D86B7A12}"/>
-              </a:ext>
-            </a:extLst>
-          </p:cNvPr>
-          <p:cNvSpPr txBox="1"/>
-          <p:nvPr/>
-        </p:nvSpPr>
-        <p:spPr>
-          <a:xfrm>
-            <a:off x="7478686" y="2598757"/>
-            <a:ext cx="1887218" cy="276999"/>
-          </a:xfrm>
-          <a:prstGeom prst="rect">
-            <a:avLst/>
-          </a:prstGeom>
-          <a:noFill/>
-        </p:spPr>
-        <p:txBody>
-          <a:bodyPr wrap="square" rtlCol="0">
-            <a:spAutoFit/>
-          </a:bodyPr>
-          <a:lstStyle/>
-          <a:p>
-            <a:r>
-              <a:rPr lang="en-US" sz="1200" dirty="0">
-                <a:solidFill>
-                  <a:srgbClr val="000000"/>
-                </a:solidFill>
-                <a:latin typeface="Calibri" panose="020F0502020204030204" pitchFamily="34" charset="0"/>
-              </a:rPr>
-              <a:t>Fetch NetApp Test Cases</a:t>
-            </a:r>
-          </a:p>
-        </p:txBody>
-      </p:sp>
-      <p:cxnSp>
-        <p:nvCxnSpPr>
-          <p:cNvPr id="26" name="Elbow Connector 1047">
-            <a:extLst>
-              <a:ext uri="{FF2B5EF4-FFF2-40B4-BE49-F238E27FC236}">
-                <a16:creationId xmlns:a16="http://schemas.microsoft.com/office/drawing/2014/main" id="{328992D7-63CC-464A-A88A-8103328ED09D}"/>
-              </a:ext>
-            </a:extLst>
-          </p:cNvPr>
-          <p:cNvCxnSpPr/>
-          <p:nvPr/>
-        </p:nvCxnSpPr>
-        <p:spPr>
-          <a:xfrm flipV="1">
-            <a:off x="2068487" y="3655335"/>
-            <a:ext cx="1084543" cy="624858"/>
-          </a:xfrm>
-          <a:prstGeom prst="bentConnector3">
-            <a:avLst>
-              <a:gd name="adj1" fmla="val 50000"/>
-            </a:avLst>
-          </a:prstGeom>
-          <a:ln w="38100">
-            <a:solidFill>
-              <a:schemeClr val="bg1">
-                <a:lumMod val="50000"/>
-              </a:schemeClr>
-            </a:solidFill>
-            <a:tailEnd type="arrow"/>
-          </a:ln>
-        </p:spPr>
-        <p:style>
-          <a:lnRef idx="1">
-            <a:schemeClr val="accent1"/>
-          </a:lnRef>
-          <a:fillRef idx="0">
-            <a:schemeClr val="accent1"/>
-          </a:fillRef>
-          <a:effectRef idx="0">
-            <a:schemeClr val="accent1"/>
-          </a:effectRef>
-          <a:fontRef idx="minor">
-            <a:schemeClr val="tx1"/>
-          </a:fontRef>
-        </p:style>
-      </p:cxnSp>
-      <p:grpSp>
-        <p:nvGrpSpPr>
-          <p:cNvPr id="27" name="Group 26">
-            <a:extLst>
-              <a:ext uri="{FF2B5EF4-FFF2-40B4-BE49-F238E27FC236}">
-                <a16:creationId xmlns:a16="http://schemas.microsoft.com/office/drawing/2014/main" id="{40EE7353-EF60-4B01-BC62-E6A3F63FFF82}"/>
-              </a:ext>
-            </a:extLst>
-          </p:cNvPr>
-          <p:cNvGrpSpPr/>
-          <p:nvPr/>
-        </p:nvGrpSpPr>
-        <p:grpSpPr>
-          <a:xfrm>
-            <a:off x="5810740" y="2682712"/>
-            <a:ext cx="1088134" cy="276999"/>
-            <a:chOff x="5494854" y="2146080"/>
-            <a:chExt cx="1088134" cy="369331"/>
-          </a:xfrm>
-        </p:grpSpPr>
-        <p:pic>
-          <p:nvPicPr>
-            <p:cNvPr id="28" name="Picture 2" descr="C:\Users\WZND3959\Desktop\terminal_report.png">
-              <a:extLst>
-                <a:ext uri="{FF2B5EF4-FFF2-40B4-BE49-F238E27FC236}">
-                  <a16:creationId xmlns:a16="http://schemas.microsoft.com/office/drawing/2014/main" id="{5A4DF224-DAF3-4965-B9A8-BEE982AABB57}"/>
-                </a:ext>
-              </a:extLst>
-            </p:cNvPr>
-            <p:cNvPicPr>
-              <a:picLocks noChangeAspect="1" noChangeArrowheads="1"/>
-            </p:cNvPicPr>
-            <p:nvPr/>
-          </p:nvPicPr>
-          <p:blipFill>
-            <a:blip r:embed="rId5" cstate="print">
-              <a:extLst>
-                <a:ext uri="{28A0092B-C50C-407E-A947-70E740481C1C}">
-                  <a14:useLocalDpi xmlns:a14="http://schemas.microsoft.com/office/drawing/2010/main" val="0"/>
-                </a:ext>
-              </a:extLst>
-            </a:blip>
-            <a:srcRect/>
-            <a:stretch>
-              <a:fillRect/>
-            </a:stretch>
-          </p:blipFill>
-          <p:spPr bwMode="auto">
-            <a:xfrm>
-              <a:off x="6274946" y="2146080"/>
-              <a:ext cx="308042" cy="330123"/>
-            </a:xfrm>
-            <a:prstGeom prst="rect">
-              <a:avLst/>
-            </a:prstGeom>
-            <a:noFill/>
-            <a:extLst>
-              <a:ext uri="{909E8E84-426E-40DD-AFC4-6F175D3DCCD1}">
-                <a14:hiddenFill xmlns:a14="http://schemas.microsoft.com/office/drawing/2010/main">
-                  <a:solidFill>
-                    <a:srgbClr val="FFFFFF"/>
-                  </a:solidFill>
-                </a14:hiddenFill>
-              </a:ext>
-            </a:extLst>
-          </p:spPr>
-        </p:pic>
-        <p:sp>
-          <p:nvSpPr>
-            <p:cNvPr id="29" name="TextBox 28">
-              <a:extLst>
-                <a:ext uri="{FF2B5EF4-FFF2-40B4-BE49-F238E27FC236}">
-                  <a16:creationId xmlns:a16="http://schemas.microsoft.com/office/drawing/2014/main" id="{4EBDDBCC-5229-4813-B0E3-9912B27A5A64}"/>
-                </a:ext>
-              </a:extLst>
-            </p:cNvPr>
-            <p:cNvSpPr txBox="1"/>
-            <p:nvPr/>
-          </p:nvSpPr>
-          <p:spPr>
-            <a:xfrm>
-              <a:off x="5494854" y="2146080"/>
-              <a:ext cx="928289" cy="369331"/>
-            </a:xfrm>
-            <a:prstGeom prst="rect">
-              <a:avLst/>
-            </a:prstGeom>
-            <a:noFill/>
-          </p:spPr>
-          <p:txBody>
-            <a:bodyPr wrap="square" rtlCol="0">
-              <a:spAutoFit/>
-            </a:bodyPr>
-            <a:lstStyle/>
-            <a:p>
-              <a:r>
-                <a:rPr lang="en-US" sz="1200" dirty="0">
-                  <a:solidFill>
-                    <a:srgbClr val="000000"/>
-                  </a:solidFill>
-                  <a:latin typeface="Calibri" panose="020F0502020204030204" pitchFamily="34" charset="0"/>
-                </a:rPr>
-                <a:t>Reports</a:t>
-              </a:r>
-            </a:p>
-          </p:txBody>
-        </p:sp>
-      </p:grpSp>
-      <p:sp>
-        <p:nvSpPr>
-          <p:cNvPr id="30" name="TextBox 29">
-            <a:extLst>
-              <a:ext uri="{FF2B5EF4-FFF2-40B4-BE49-F238E27FC236}">
-                <a16:creationId xmlns:a16="http://schemas.microsoft.com/office/drawing/2014/main" id="{2D218064-5D18-4964-9B1E-43A473709319}"/>
-              </a:ext>
-            </a:extLst>
-          </p:cNvPr>
-          <p:cNvSpPr txBox="1"/>
-          <p:nvPr/>
-        </p:nvSpPr>
-        <p:spPr>
-          <a:xfrm rot="16200000">
-            <a:off x="4503295" y="2436274"/>
-            <a:ext cx="949179" cy="461665"/>
-          </a:xfrm>
-          <a:prstGeom prst="rect">
-            <a:avLst/>
-          </a:prstGeom>
-          <a:noFill/>
-        </p:spPr>
-        <p:txBody>
-          <a:bodyPr wrap="square" rtlCol="0">
-            <a:spAutoFit/>
-          </a:bodyPr>
-          <a:lstStyle/>
-          <a:p>
-            <a:r>
-              <a:rPr lang="en-US" sz="1200" dirty="0">
-                <a:solidFill>
-                  <a:srgbClr val="000000"/>
-                </a:solidFill>
-                <a:latin typeface="Calibri" panose="020F0502020204030204" pitchFamily="34" charset="0"/>
-              </a:rPr>
-              <a:t>YAML File Sync</a:t>
-            </a:r>
-          </a:p>
-        </p:txBody>
-      </p:sp>
-      <p:grpSp>
-        <p:nvGrpSpPr>
-          <p:cNvPr id="31" name="Group 30">
-            <a:extLst>
-              <a:ext uri="{FF2B5EF4-FFF2-40B4-BE49-F238E27FC236}">
-                <a16:creationId xmlns:a16="http://schemas.microsoft.com/office/drawing/2014/main" id="{B2F35902-B437-4442-A487-A406B1E9DE64}"/>
-              </a:ext>
-            </a:extLst>
-          </p:cNvPr>
-          <p:cNvGrpSpPr/>
-          <p:nvPr/>
-        </p:nvGrpSpPr>
-        <p:grpSpPr>
-          <a:xfrm>
-            <a:off x="5990668" y="4203600"/>
-            <a:ext cx="1574378" cy="681170"/>
-            <a:chOff x="5071101" y="4742749"/>
-            <a:chExt cx="1574378" cy="908227"/>
-          </a:xfrm>
-        </p:grpSpPr>
-        <p:grpSp>
-          <p:nvGrpSpPr>
-            <p:cNvPr id="32" name="Group 31">
-              <a:extLst>
-                <a:ext uri="{FF2B5EF4-FFF2-40B4-BE49-F238E27FC236}">
-                  <a16:creationId xmlns:a16="http://schemas.microsoft.com/office/drawing/2014/main" id="{CCF5A6B2-5B41-4D7B-AAA6-DC77EC39492E}"/>
-                </a:ext>
-              </a:extLst>
-            </p:cNvPr>
-            <p:cNvGrpSpPr/>
-            <p:nvPr/>
-          </p:nvGrpSpPr>
-          <p:grpSpPr>
-            <a:xfrm>
-              <a:off x="5071101" y="4742749"/>
-              <a:ext cx="1574378" cy="908227"/>
-              <a:chOff x="5071101" y="4742749"/>
-              <a:chExt cx="1574378" cy="908227"/>
-            </a:xfrm>
-          </p:grpSpPr>
-          <p:sp>
-            <p:nvSpPr>
-              <p:cNvPr id="34" name="Rounded Rectangle 13">
-                <a:extLst>
-                  <a:ext uri="{FF2B5EF4-FFF2-40B4-BE49-F238E27FC236}">
-                    <a16:creationId xmlns:a16="http://schemas.microsoft.com/office/drawing/2014/main" id="{40446FA0-7BA2-4CC3-B2DF-235121AACBB8}"/>
-                  </a:ext>
-                </a:extLst>
-              </p:cNvPr>
-              <p:cNvSpPr/>
-              <p:nvPr/>
-            </p:nvSpPr>
-            <p:spPr>
-              <a:xfrm>
-                <a:off x="5071101" y="4742749"/>
-                <a:ext cx="1574378" cy="908227"/>
-              </a:xfrm>
-              <a:prstGeom prst="roundRect">
-                <a:avLst/>
-              </a:prstGeom>
-              <a:solidFill>
-                <a:schemeClr val="accent1">
-                  <a:lumMod val="60000"/>
-                  <a:lumOff val="40000"/>
-                </a:schemeClr>
-              </a:solidFill>
-            </p:spPr>
-            <p:style>
-              <a:lnRef idx="2">
-                <a:schemeClr val="accent1">
-                  <a:shade val="50000"/>
-                </a:schemeClr>
-              </a:lnRef>
-              <a:fillRef idx="1">
-                <a:schemeClr val="accent1"/>
-              </a:fillRef>
-              <a:effectRef idx="0">
-                <a:schemeClr val="accent1"/>
-              </a:effectRef>
-              <a:fontRef idx="minor">
-                <a:schemeClr val="lt1"/>
-              </a:fontRef>
-            </p:style>
-            <p:txBody>
-              <a:bodyPr rtlCol="0" anchor="ctr"/>
-              <a:lstStyle/>
-              <a:p>
-                <a:pPr algn="ctr"/>
-                <a:endParaRPr lang="en-US" dirty="0">
-                  <a:solidFill>
-                    <a:srgbClr val="000000"/>
-                  </a:solidFill>
-                  <a:latin typeface="Calibri" panose="020F0502020204030204" pitchFamily="34" charset="0"/>
-                </a:endParaRPr>
-              </a:p>
-            </p:txBody>
-          </p:sp>
-          <p:sp>
-            <p:nvSpPr>
-              <p:cNvPr id="35" name="Rectangle 34">
-                <a:extLst>
-                  <a:ext uri="{FF2B5EF4-FFF2-40B4-BE49-F238E27FC236}">
-                    <a16:creationId xmlns:a16="http://schemas.microsoft.com/office/drawing/2014/main" id="{D6F3E268-8E9A-4CD4-8C74-091F83BE6962}"/>
-                  </a:ext>
-                </a:extLst>
-              </p:cNvPr>
-              <p:cNvSpPr/>
-              <p:nvPr/>
-            </p:nvSpPr>
-            <p:spPr>
-              <a:xfrm>
-                <a:off x="5216964" y="4812268"/>
-                <a:ext cx="1315809" cy="410369"/>
-              </a:xfrm>
-              <a:prstGeom prst="rect">
-                <a:avLst/>
-              </a:prstGeom>
-            </p:spPr>
-            <p:txBody>
-              <a:bodyPr wrap="none">
-                <a:spAutoFit/>
-              </a:bodyPr>
-              <a:lstStyle/>
-              <a:p>
-                <a:pPr algn="ctr"/>
-                <a:r>
-                  <a:rPr lang="en-US" b="1" dirty="0">
-                    <a:solidFill>
-                      <a:srgbClr val="000000"/>
-                    </a:solidFill>
-                    <a:latin typeface="Calibri" panose="020F0502020204030204" pitchFamily="34" charset="0"/>
-                  </a:rPr>
-                  <a:t>NetApp Cluster</a:t>
-                </a:r>
-              </a:p>
-            </p:txBody>
-          </p:sp>
-        </p:grpSp>
-        <p:pic>
-          <p:nvPicPr>
-            <p:cNvPr id="33" name="Picture 12" descr="C:\Users\WZND3959\Downloads\58481085cef1014c0b5e4955.png">
-              <a:extLst>
-                <a:ext uri="{FF2B5EF4-FFF2-40B4-BE49-F238E27FC236}">
-                  <a16:creationId xmlns:a16="http://schemas.microsoft.com/office/drawing/2014/main" id="{8F747EF4-802C-427F-A301-ABD09B4B50A5}"/>
-                </a:ext>
-              </a:extLst>
-            </p:cNvPr>
-            <p:cNvPicPr>
-              <a:picLocks noChangeAspect="1" noChangeArrowheads="1"/>
-            </p:cNvPicPr>
-            <p:nvPr/>
-          </p:nvPicPr>
-          <p:blipFill>
-            <a:blip r:embed="rId6" cstate="print">
-              <a:extLst>
-                <a:ext uri="{28A0092B-C50C-407E-A947-70E740481C1C}">
-                  <a14:useLocalDpi xmlns:a14="http://schemas.microsoft.com/office/drawing/2010/main" val="0"/>
-                </a:ext>
-              </a:extLst>
-            </a:blip>
-            <a:srcRect/>
-            <a:stretch>
-              <a:fillRect/>
-            </a:stretch>
-          </p:blipFill>
-          <p:spPr bwMode="auto">
-            <a:xfrm>
-              <a:off x="6172200" y="5207407"/>
-              <a:ext cx="366016" cy="431393"/>
-            </a:xfrm>
-            <a:prstGeom prst="rect">
-              <a:avLst/>
-            </a:prstGeom>
-            <a:noFill/>
-            <a:extLst>
-              <a:ext uri="{909E8E84-426E-40DD-AFC4-6F175D3DCCD1}">
-                <a14:hiddenFill xmlns:a14="http://schemas.microsoft.com/office/drawing/2010/main">
-                  <a:solidFill>
-                    <a:srgbClr val="FFFFFF"/>
-                  </a:solidFill>
-                </a14:hiddenFill>
-              </a:ext>
-            </a:extLst>
-          </p:spPr>
-        </p:pic>
-      </p:grpSp>
-      <p:cxnSp>
-        <p:nvCxnSpPr>
-          <p:cNvPr id="36" name="Elbow Connector 55">
-            <a:extLst>
-              <a:ext uri="{FF2B5EF4-FFF2-40B4-BE49-F238E27FC236}">
-                <a16:creationId xmlns:a16="http://schemas.microsoft.com/office/drawing/2014/main" id="{8579C1DC-9745-4360-99DA-882E06FCD861}"/>
-              </a:ext>
-            </a:extLst>
-          </p:cNvPr>
-          <p:cNvCxnSpPr>
-            <a:stCxn id="12" idx="0"/>
-            <a:endCxn id="23" idx="0"/>
-          </p:cNvCxnSpPr>
-          <p:nvPr/>
-        </p:nvCxnSpPr>
-        <p:spPr>
-          <a:xfrm rot="16200000" flipH="1" flipV="1">
-            <a:off x="4697667" y="1611663"/>
-            <a:ext cx="852008" cy="2138808"/>
-          </a:xfrm>
-          <a:prstGeom prst="bentConnector3">
-            <a:avLst>
-              <a:gd name="adj1" fmla="val -20123"/>
-            </a:avLst>
-          </a:prstGeom>
-          <a:ln w="38100">
-            <a:solidFill>
-              <a:schemeClr val="bg1">
-                <a:lumMod val="50000"/>
-              </a:schemeClr>
-            </a:solidFill>
-            <a:tailEnd type="arrow"/>
-          </a:ln>
-        </p:spPr>
-        <p:style>
-          <a:lnRef idx="1">
-            <a:schemeClr val="accent1"/>
-          </a:lnRef>
-          <a:fillRef idx="0">
-            <a:schemeClr val="accent1"/>
-          </a:fillRef>
-          <a:effectRef idx="0">
-            <a:schemeClr val="accent1"/>
-          </a:effectRef>
-          <a:fontRef idx="minor">
-            <a:schemeClr val="tx1"/>
-          </a:fontRef>
-        </p:style>
-      </p:cxnSp>
-      <p:cxnSp>
-        <p:nvCxnSpPr>
-          <p:cNvPr id="37" name="Elbow Connector 60">
-            <a:extLst>
-              <a:ext uri="{FF2B5EF4-FFF2-40B4-BE49-F238E27FC236}">
-                <a16:creationId xmlns:a16="http://schemas.microsoft.com/office/drawing/2014/main" id="{4B91E4B8-76C3-4615-A543-CC859234EC0A}"/>
-              </a:ext>
-            </a:extLst>
-          </p:cNvPr>
-          <p:cNvCxnSpPr>
-            <a:endCxn id="34" idx="0"/>
-          </p:cNvCxnSpPr>
-          <p:nvPr/>
-        </p:nvCxnSpPr>
-        <p:spPr>
-          <a:xfrm rot="16200000" flipH="1">
-            <a:off x="5885265" y="3311007"/>
-            <a:ext cx="1200403" cy="584781"/>
-          </a:xfrm>
-          <a:prstGeom prst="bentConnector3">
-            <a:avLst>
-              <a:gd name="adj1" fmla="val 50000"/>
-            </a:avLst>
-          </a:prstGeom>
-          <a:ln w="38100">
-            <a:solidFill>
-              <a:schemeClr val="bg1">
-                <a:lumMod val="50000"/>
-              </a:schemeClr>
-            </a:solidFill>
-            <a:tailEnd type="arrow"/>
-          </a:ln>
-        </p:spPr>
-        <p:style>
-          <a:lnRef idx="1">
-            <a:schemeClr val="accent1"/>
-          </a:lnRef>
-          <a:fillRef idx="0">
-            <a:schemeClr val="accent1"/>
-          </a:fillRef>
-          <a:effectRef idx="0">
-            <a:schemeClr val="accent1"/>
-          </a:effectRef>
-          <a:fontRef idx="minor">
-            <a:schemeClr val="tx1"/>
-          </a:fontRef>
-        </p:style>
-      </p:cxnSp>
-    </p:spTree>
-    <p:extLst>
-      <p:ext uri="{BB962C8B-B14F-4D97-AF65-F5344CB8AC3E}">
-        <p14:creationId xmlns:p14="http://schemas.microsoft.com/office/powerpoint/2010/main" val="3852200986"/>
-      </p:ext>
-    </p:extLst>
-  </p:cSld>
-  <p:clrMapOvr>
-    <a:masterClrMapping/>
-  </p:clrMapOvr>
-  <p:timing>
-    <p:tnLst>
-      <p:par>
-        <p:cTn id="1" dur="indefinite" restart="never" nodeType="tmRoot">
-          <p:childTnLst>
-            <p:seq concurrent="1" nextAc="seek">
-              <p:cTn id="2" dur="indefinite" nodeType="mainSeq">
-                <p:childTnLst>
-                  <p:par>
-                    <p:cTn id="3" fill="hold">
-                      <p:stCondLst>
-                        <p:cond delay="indefinite"/>
-                      </p:stCondLst>
-                      <p:childTnLst>
-                        <p:par>
-                          <p:cTn id="4" fill="hold">
-                            <p:stCondLst>
-                              <p:cond delay="0"/>
-                            </p:stCondLst>
-                            <p:childTnLst>
-                              <p:par>
-                                <p:cTn id="5" presetID="1" presetClass="entr" presetSubtype="0" fill="hold" nodeType="clickEffect">
-                                  <p:stCondLst>
-                                    <p:cond delay="0"/>
-                                  </p:stCondLst>
-                                  <p:childTnLst>
-                                    <p:set>
-                                      <p:cBhvr>
-                                        <p:cTn id="6" dur="1" fill="hold">
-                                          <p:stCondLst>
-                                            <p:cond delay="0"/>
-                                          </p:stCondLst>
-                                        </p:cTn>
-                                        <p:tgtEl>
-                                          <p:spTgt spid="14"/>
-                                        </p:tgtEl>
-                                        <p:attrNameLst>
-                                          <p:attrName>style.visibility</p:attrName>
-                                        </p:attrNameLst>
-                                      </p:cBhvr>
-                                      <p:to>
-                                        <p:strVal val="visible"/>
-                                      </p:to>
-                                    </p:set>
-                                  </p:childTnLst>
-                                </p:cTn>
-                              </p:par>
-                              <p:par>
-                                <p:cTn id="7" presetID="1" presetClass="entr" presetSubtype="0" fill="hold" grpId="0" nodeType="withEffect">
-                                  <p:stCondLst>
-                                    <p:cond delay="0"/>
-                                  </p:stCondLst>
-                                  <p:childTnLst>
-                                    <p:set>
-                                      <p:cBhvr>
-                                        <p:cTn id="8" dur="1" fill="hold">
-                                          <p:stCondLst>
-                                            <p:cond delay="0"/>
-                                          </p:stCondLst>
-                                        </p:cTn>
-                                        <p:tgtEl>
-                                          <p:spTgt spid="8"/>
-                                        </p:tgtEl>
-                                        <p:attrNameLst>
-                                          <p:attrName>style.visibility</p:attrName>
-                                        </p:attrNameLst>
-                                      </p:cBhvr>
-                                      <p:to>
-                                        <p:strVal val="visible"/>
-                                      </p:to>
-                                    </p:set>
-                                  </p:childTnLst>
-                                </p:cTn>
-                              </p:par>
-                              <p:par>
-                                <p:cTn id="9" presetID="1" presetClass="entr" presetSubtype="0" fill="hold" grpId="0" nodeType="withEffect">
-                                  <p:stCondLst>
-                                    <p:cond delay="0"/>
-                                  </p:stCondLst>
-                                  <p:childTnLst>
-                                    <p:set>
-                                      <p:cBhvr>
-                                        <p:cTn id="10" dur="1" fill="hold">
-                                          <p:stCondLst>
-                                            <p:cond delay="0"/>
-                                          </p:stCondLst>
-                                        </p:cTn>
-                                        <p:tgtEl>
-                                          <p:spTgt spid="6"/>
-                                        </p:tgtEl>
-                                        <p:attrNameLst>
-                                          <p:attrName>style.visibility</p:attrName>
-                                        </p:attrNameLst>
-                                      </p:cBhvr>
-                                      <p:to>
-                                        <p:strVal val="visible"/>
-                                      </p:to>
-                                    </p:set>
-                                  </p:childTnLst>
-                                </p:cTn>
-                              </p:par>
-                              <p:par>
-                                <p:cTn id="11" presetID="1" presetClass="entr" presetSubtype="0" fill="hold" nodeType="withEffect">
-                                  <p:stCondLst>
-                                    <p:cond delay="0"/>
-                                  </p:stCondLst>
-                                  <p:childTnLst>
-                                    <p:set>
-                                      <p:cBhvr>
-                                        <p:cTn id="12" dur="1" fill="hold">
-                                          <p:stCondLst>
-                                            <p:cond delay="0"/>
-                                          </p:stCondLst>
-                                        </p:cTn>
-                                        <p:tgtEl>
-                                          <p:spTgt spid="7"/>
-                                        </p:tgtEl>
-                                        <p:attrNameLst>
-                                          <p:attrName>style.visibility</p:attrName>
-                                        </p:attrNameLst>
-                                      </p:cBhvr>
-                                      <p:to>
-                                        <p:strVal val="visible"/>
-                                      </p:to>
-                                    </p:set>
-                                  </p:childTnLst>
-                                </p:cTn>
-                              </p:par>
-                            </p:childTnLst>
-                          </p:cTn>
-                        </p:par>
-                      </p:childTnLst>
-                    </p:cTn>
-                  </p:par>
-                  <p:par>
-                    <p:cTn id="13" fill="hold">
-                      <p:stCondLst>
-                        <p:cond delay="indefinite"/>
-                      </p:stCondLst>
-                      <p:childTnLst>
-                        <p:par>
-                          <p:cTn id="14" fill="hold">
-                            <p:stCondLst>
-                              <p:cond delay="0"/>
-                            </p:stCondLst>
-                            <p:childTnLst>
-                              <p:par>
-                                <p:cTn id="15" presetID="1" presetClass="entr" presetSubtype="0" fill="hold" grpId="0" nodeType="clickEffect">
-                                  <p:stCondLst>
-                                    <p:cond delay="0"/>
-                                  </p:stCondLst>
-                                  <p:childTnLst>
-                                    <p:set>
-                                      <p:cBhvr>
-                                        <p:cTn id="16" dur="1" fill="hold">
-                                          <p:stCondLst>
-                                            <p:cond delay="0"/>
-                                          </p:stCondLst>
-                                        </p:cTn>
-                                        <p:tgtEl>
-                                          <p:spTgt spid="4"/>
-                                        </p:tgtEl>
-                                        <p:attrNameLst>
-                                          <p:attrName>style.visibility</p:attrName>
-                                        </p:attrNameLst>
-                                      </p:cBhvr>
-                                      <p:to>
-                                        <p:strVal val="visible"/>
-                                      </p:to>
-                                    </p:set>
-                                  </p:childTnLst>
-                                </p:cTn>
-                              </p:par>
-                              <p:par>
-                                <p:cTn id="17" presetID="1" presetClass="entr" presetSubtype="0" fill="hold" nodeType="withEffect">
-                                  <p:stCondLst>
-                                    <p:cond delay="0"/>
-                                  </p:stCondLst>
-                                  <p:childTnLst>
-                                    <p:set>
-                                      <p:cBhvr>
-                                        <p:cTn id="18" dur="1" fill="hold">
-                                          <p:stCondLst>
-                                            <p:cond delay="0"/>
-                                          </p:stCondLst>
-                                        </p:cTn>
-                                        <p:tgtEl>
-                                          <p:spTgt spid="22"/>
-                                        </p:tgtEl>
-                                        <p:attrNameLst>
-                                          <p:attrName>style.visibility</p:attrName>
-                                        </p:attrNameLst>
-                                      </p:cBhvr>
-                                      <p:to>
-                                        <p:strVal val="visible"/>
-                                      </p:to>
-                                    </p:set>
-                                  </p:childTnLst>
-                                </p:cTn>
-                              </p:par>
-                            </p:childTnLst>
-                          </p:cTn>
-                        </p:par>
-                      </p:childTnLst>
-                    </p:cTn>
-                  </p:par>
-                  <p:par>
-                    <p:cTn id="19" fill="hold">
-                      <p:stCondLst>
-                        <p:cond delay="indefinite"/>
-                      </p:stCondLst>
-                      <p:childTnLst>
-                        <p:par>
-                          <p:cTn id="20" fill="hold">
-                            <p:stCondLst>
-                              <p:cond delay="0"/>
-                            </p:stCondLst>
-                            <p:childTnLst>
-                              <p:par>
-                                <p:cTn id="21" presetID="1" presetClass="entr" presetSubtype="0" fill="hold" nodeType="clickEffect">
-                                  <p:stCondLst>
-                                    <p:cond delay="0"/>
-                                  </p:stCondLst>
-                                  <p:childTnLst>
-                                    <p:set>
-                                      <p:cBhvr>
-                                        <p:cTn id="22" dur="1" fill="hold">
-                                          <p:stCondLst>
-                                            <p:cond delay="0"/>
-                                          </p:stCondLst>
-                                        </p:cTn>
-                                        <p:tgtEl>
-                                          <p:spTgt spid="26"/>
-                                        </p:tgtEl>
-                                        <p:attrNameLst>
-                                          <p:attrName>style.visibility</p:attrName>
-                                        </p:attrNameLst>
-                                      </p:cBhvr>
-                                      <p:to>
-                                        <p:strVal val="visible"/>
-                                      </p:to>
-                                    </p:set>
-                                  </p:childTnLst>
-                                </p:cTn>
-                              </p:par>
-                              <p:par>
-                                <p:cTn id="23" presetID="1" presetClass="entr" presetSubtype="0" fill="hold" grpId="0" nodeType="withEffect">
-                                  <p:stCondLst>
-                                    <p:cond delay="0"/>
-                                  </p:stCondLst>
-                                  <p:childTnLst>
-                                    <p:set>
-                                      <p:cBhvr>
-                                        <p:cTn id="24" dur="1" fill="hold">
-                                          <p:stCondLst>
-                                            <p:cond delay="0"/>
-                                          </p:stCondLst>
-                                        </p:cTn>
-                                        <p:tgtEl>
-                                          <p:spTgt spid="11"/>
-                                        </p:tgtEl>
-                                        <p:attrNameLst>
-                                          <p:attrName>style.visibility</p:attrName>
-                                        </p:attrNameLst>
-                                      </p:cBhvr>
-                                      <p:to>
-                                        <p:strVal val="visible"/>
-                                      </p:to>
-                                    </p:set>
-                                  </p:childTnLst>
-                                </p:cTn>
-                              </p:par>
-                            </p:childTnLst>
-                          </p:cTn>
-                        </p:par>
-                      </p:childTnLst>
-                    </p:cTn>
-                  </p:par>
-                  <p:par>
-                    <p:cTn id="25" fill="hold">
-                      <p:stCondLst>
-                        <p:cond delay="indefinite"/>
-                      </p:stCondLst>
-                      <p:childTnLst>
-                        <p:par>
-                          <p:cTn id="26" fill="hold">
-                            <p:stCondLst>
-                              <p:cond delay="0"/>
-                            </p:stCondLst>
-                            <p:childTnLst>
-                              <p:par>
-                                <p:cTn id="27" presetID="1" presetClass="entr" presetSubtype="0" fill="hold" grpId="0" nodeType="clickEffect">
-                                  <p:stCondLst>
-                                    <p:cond delay="0"/>
-                                  </p:stCondLst>
-                                  <p:childTnLst>
-                                    <p:set>
-                                      <p:cBhvr>
-                                        <p:cTn id="28" dur="1" fill="hold">
-                                          <p:stCondLst>
-                                            <p:cond delay="0"/>
-                                          </p:stCondLst>
-                                        </p:cTn>
-                                        <p:tgtEl>
-                                          <p:spTgt spid="12"/>
-                                        </p:tgtEl>
-                                        <p:attrNameLst>
-                                          <p:attrName>style.visibility</p:attrName>
-                                        </p:attrNameLst>
-                                      </p:cBhvr>
-                                      <p:to>
-                                        <p:strVal val="visible"/>
-                                      </p:to>
-                                    </p:set>
-                                  </p:childTnLst>
-                                </p:cTn>
-                              </p:par>
-                            </p:childTnLst>
-                          </p:cTn>
-                        </p:par>
-                      </p:childTnLst>
-                    </p:cTn>
-                  </p:par>
-                  <p:par>
-                    <p:cTn id="29" fill="hold">
-                      <p:stCondLst>
-                        <p:cond delay="indefinite"/>
-                      </p:stCondLst>
-                      <p:childTnLst>
-                        <p:par>
-                          <p:cTn id="30" fill="hold">
-                            <p:stCondLst>
-                              <p:cond delay="0"/>
-                            </p:stCondLst>
-                            <p:childTnLst>
-                              <p:par>
-                                <p:cTn id="31" presetID="1" presetClass="entr" presetSubtype="0" fill="hold" nodeType="clickEffect">
-                                  <p:stCondLst>
-                                    <p:cond delay="0"/>
-                                  </p:stCondLst>
-                                  <p:childTnLst>
-                                    <p:set>
-                                      <p:cBhvr>
-                                        <p:cTn id="32" dur="1" fill="hold">
-                                          <p:stCondLst>
-                                            <p:cond delay="0"/>
-                                          </p:stCondLst>
-                                        </p:cTn>
-                                        <p:tgtEl>
-                                          <p:spTgt spid="18"/>
-                                        </p:tgtEl>
-                                        <p:attrNameLst>
-                                          <p:attrName>style.visibility</p:attrName>
-                                        </p:attrNameLst>
-                                      </p:cBhvr>
-                                      <p:to>
-                                        <p:strVal val="visible"/>
-                                      </p:to>
-                                    </p:set>
-                                  </p:childTnLst>
-                                </p:cTn>
-                              </p:par>
-                              <p:par>
-                                <p:cTn id="33" presetID="1" presetClass="entr" presetSubtype="0" fill="hold" grpId="0" nodeType="withEffect">
-                                  <p:stCondLst>
-                                    <p:cond delay="0"/>
-                                  </p:stCondLst>
-                                  <p:childTnLst>
-                                    <p:set>
-                                      <p:cBhvr>
-                                        <p:cTn id="34" dur="1" fill="hold">
-                                          <p:stCondLst>
-                                            <p:cond delay="0"/>
-                                          </p:stCondLst>
-                                        </p:cTn>
-                                        <p:tgtEl>
-                                          <p:spTgt spid="30"/>
-                                        </p:tgtEl>
-                                        <p:attrNameLst>
-                                          <p:attrName>style.visibility</p:attrName>
-                                        </p:attrNameLst>
-                                      </p:cBhvr>
-                                      <p:to>
-                                        <p:strVal val="visible"/>
-                                      </p:to>
-                                    </p:set>
-                                  </p:childTnLst>
-                                </p:cTn>
-                              </p:par>
-                            </p:childTnLst>
-                          </p:cTn>
-                        </p:par>
-                      </p:childTnLst>
-                    </p:cTn>
-                  </p:par>
-                  <p:par>
-                    <p:cTn id="35" fill="hold">
-                      <p:stCondLst>
-                        <p:cond delay="indefinite"/>
-                      </p:stCondLst>
-                      <p:childTnLst>
-                        <p:par>
-                          <p:cTn id="36" fill="hold">
-                            <p:stCondLst>
-                              <p:cond delay="0"/>
-                            </p:stCondLst>
-                            <p:childTnLst>
-                              <p:par>
-                                <p:cTn id="37" presetID="1" presetClass="entr" presetSubtype="0" fill="hold" grpId="0" nodeType="clickEffect">
-                                  <p:stCondLst>
-                                    <p:cond delay="0"/>
-                                  </p:stCondLst>
-                                  <p:childTnLst>
-                                    <p:set>
-                                      <p:cBhvr>
-                                        <p:cTn id="38" dur="1" fill="hold">
-                                          <p:stCondLst>
-                                            <p:cond delay="0"/>
-                                          </p:stCondLst>
-                                        </p:cTn>
-                                        <p:tgtEl>
-                                          <p:spTgt spid="5"/>
-                                        </p:tgtEl>
-                                        <p:attrNameLst>
-                                          <p:attrName>style.visibility</p:attrName>
-                                        </p:attrNameLst>
-                                      </p:cBhvr>
-                                      <p:to>
-                                        <p:strVal val="visible"/>
-                                      </p:to>
-                                    </p:set>
-                                  </p:childTnLst>
-                                </p:cTn>
-                              </p:par>
-                              <p:par>
-                                <p:cTn id="39" presetID="1" presetClass="entr" presetSubtype="0" fill="hold" nodeType="withEffect">
-                                  <p:stCondLst>
-                                    <p:cond delay="0"/>
-                                  </p:stCondLst>
-                                  <p:childTnLst>
-                                    <p:set>
-                                      <p:cBhvr>
-                                        <p:cTn id="40" dur="1" fill="hold">
-                                          <p:stCondLst>
-                                            <p:cond delay="0"/>
-                                          </p:stCondLst>
-                                        </p:cTn>
-                                        <p:tgtEl>
-                                          <p:spTgt spid="9"/>
-                                        </p:tgtEl>
-                                        <p:attrNameLst>
-                                          <p:attrName>style.visibility</p:attrName>
-                                        </p:attrNameLst>
-                                      </p:cBhvr>
-                                      <p:to>
-                                        <p:strVal val="visible"/>
-                                      </p:to>
-                                    </p:set>
-                                  </p:childTnLst>
-                                </p:cTn>
-                              </p:par>
-                              <p:par>
-                                <p:cTn id="41" presetID="1" presetClass="entr" presetSubtype="0" fill="hold" grpId="0" nodeType="withEffect">
-                                  <p:stCondLst>
-                                    <p:cond delay="0"/>
-                                  </p:stCondLst>
-                                  <p:childTnLst>
-                                    <p:set>
-                                      <p:cBhvr>
-                                        <p:cTn id="42" dur="1" fill="hold">
-                                          <p:stCondLst>
-                                            <p:cond delay="0"/>
-                                          </p:stCondLst>
-                                        </p:cTn>
-                                        <p:tgtEl>
-                                          <p:spTgt spid="25"/>
-                                        </p:tgtEl>
-                                        <p:attrNameLst>
-                                          <p:attrName>style.visibility</p:attrName>
-                                        </p:attrNameLst>
-                                      </p:cBhvr>
-                                      <p:to>
-                                        <p:strVal val="visible"/>
-                                      </p:to>
-                                    </p:set>
-                                  </p:childTnLst>
-                                </p:cTn>
-                              </p:par>
-                            </p:childTnLst>
-                          </p:cTn>
-                        </p:par>
-                      </p:childTnLst>
-                    </p:cTn>
-                  </p:par>
-                  <p:par>
-                    <p:cTn id="43" fill="hold">
-                      <p:stCondLst>
-                        <p:cond delay="indefinite"/>
-                      </p:stCondLst>
-                      <p:childTnLst>
-                        <p:par>
-                          <p:cTn id="44" fill="hold">
-                            <p:stCondLst>
-                              <p:cond delay="0"/>
-                            </p:stCondLst>
-                            <p:childTnLst>
-                              <p:par>
-                                <p:cTn id="45" presetID="1" presetClass="entr" presetSubtype="0" fill="hold" nodeType="clickEffect">
-                                  <p:stCondLst>
-                                    <p:cond delay="0"/>
-                                  </p:stCondLst>
-                                  <p:childTnLst>
-                                    <p:set>
-                                      <p:cBhvr>
-                                        <p:cTn id="46" dur="1" fill="hold">
-                                          <p:stCondLst>
-                                            <p:cond delay="0"/>
-                                          </p:stCondLst>
-                                        </p:cTn>
-                                        <p:tgtEl>
-                                          <p:spTgt spid="37"/>
-                                        </p:tgtEl>
-                                        <p:attrNameLst>
-                                          <p:attrName>style.visibility</p:attrName>
-                                        </p:attrNameLst>
-                                      </p:cBhvr>
-                                      <p:to>
-                                        <p:strVal val="visible"/>
-                                      </p:to>
-                                    </p:set>
-                                  </p:childTnLst>
-                                </p:cTn>
-                              </p:par>
-                              <p:par>
-                                <p:cTn id="47" presetID="1" presetClass="entr" presetSubtype="0" fill="hold" grpId="0" nodeType="withEffect">
-                                  <p:stCondLst>
-                                    <p:cond delay="0"/>
-                                  </p:stCondLst>
-                                  <p:childTnLst>
-                                    <p:set>
-                                      <p:cBhvr>
-                                        <p:cTn id="48" dur="1" fill="hold">
-                                          <p:stCondLst>
-                                            <p:cond delay="0"/>
-                                          </p:stCondLst>
-                                        </p:cTn>
-                                        <p:tgtEl>
-                                          <p:spTgt spid="13"/>
-                                        </p:tgtEl>
-                                        <p:attrNameLst>
-                                          <p:attrName>style.visibility</p:attrName>
-                                        </p:attrNameLst>
-                                      </p:cBhvr>
-                                      <p:to>
-                                        <p:strVal val="visible"/>
-                                      </p:to>
-                                    </p:set>
-                                  </p:childTnLst>
-                                </p:cTn>
-                              </p:par>
-                              <p:par>
-                                <p:cTn id="49" presetID="1" presetClass="entr" presetSubtype="0" fill="hold" nodeType="withEffect">
-                                  <p:stCondLst>
-                                    <p:cond delay="0"/>
-                                  </p:stCondLst>
-                                  <p:childTnLst>
-                                    <p:set>
-                                      <p:cBhvr>
-                                        <p:cTn id="50" dur="1" fill="hold">
-                                          <p:stCondLst>
-                                            <p:cond delay="0"/>
-                                          </p:stCondLst>
-                                        </p:cTn>
-                                        <p:tgtEl>
-                                          <p:spTgt spid="31"/>
-                                        </p:tgtEl>
-                                        <p:attrNameLst>
-                                          <p:attrName>style.visibility</p:attrName>
-                                        </p:attrNameLst>
-                                      </p:cBhvr>
-                                      <p:to>
-                                        <p:strVal val="visible"/>
-                                      </p:to>
-                                    </p:set>
-                                  </p:childTnLst>
-                                </p:cTn>
-                              </p:par>
-                            </p:childTnLst>
-                          </p:cTn>
-                        </p:par>
-                      </p:childTnLst>
-                    </p:cTn>
-                  </p:par>
-                  <p:par>
-                    <p:cTn id="51" fill="hold">
-                      <p:stCondLst>
-                        <p:cond delay="indefinite"/>
-                      </p:stCondLst>
-                      <p:childTnLst>
-                        <p:par>
-                          <p:cTn id="52" fill="hold">
-                            <p:stCondLst>
-                              <p:cond delay="0"/>
-                            </p:stCondLst>
-                            <p:childTnLst>
-                              <p:par>
-                                <p:cTn id="53" presetID="1" presetClass="entr" presetSubtype="0" fill="hold" nodeType="clickEffect">
-                                  <p:stCondLst>
-                                    <p:cond delay="0"/>
-                                  </p:stCondLst>
-                                  <p:childTnLst>
-                                    <p:set>
-                                      <p:cBhvr>
-                                        <p:cTn id="54" dur="1" fill="hold">
-                                          <p:stCondLst>
-                                            <p:cond delay="0"/>
-                                          </p:stCondLst>
-                                        </p:cTn>
-                                        <p:tgtEl>
-                                          <p:spTgt spid="27"/>
-                                        </p:tgtEl>
-                                        <p:attrNameLst>
-                                          <p:attrName>style.visibility</p:attrName>
-                                        </p:attrNameLst>
-                                      </p:cBhvr>
-                                      <p:to>
-                                        <p:strVal val="visible"/>
-                                      </p:to>
-                                    </p:set>
-                                  </p:childTnLst>
-                                </p:cTn>
-                              </p:par>
-                            </p:childTnLst>
-                          </p:cTn>
-                        </p:par>
-                      </p:childTnLst>
-                    </p:cTn>
-                  </p:par>
-                  <p:par>
-                    <p:cTn id="55" fill="hold">
-                      <p:stCondLst>
-                        <p:cond delay="indefinite"/>
-                      </p:stCondLst>
-                      <p:childTnLst>
-                        <p:par>
-                          <p:cTn id="56" fill="hold">
-                            <p:stCondLst>
-                              <p:cond delay="0"/>
-                            </p:stCondLst>
-                            <p:childTnLst>
-                              <p:par>
-                                <p:cTn id="57" presetID="1" presetClass="entr" presetSubtype="0" fill="hold" nodeType="clickEffect">
-                                  <p:stCondLst>
-                                    <p:cond delay="0"/>
-                                  </p:stCondLst>
-                                  <p:childTnLst>
-                                    <p:set>
-                                      <p:cBhvr>
-                                        <p:cTn id="58" dur="1" fill="hold">
-                                          <p:stCondLst>
-                                            <p:cond delay="0"/>
-                                          </p:stCondLst>
-                                        </p:cTn>
-                                        <p:tgtEl>
-                                          <p:spTgt spid="36"/>
-                                        </p:tgtEl>
-                                        <p:attrNameLst>
-                                          <p:attrName>style.visibility</p:attrName>
-                                        </p:attrNameLst>
-                                      </p:cBhvr>
-                                      <p:to>
-                                        <p:strVal val="visible"/>
-                                      </p:to>
-                                    </p:set>
-                                  </p:childTnLst>
-                                </p:cTn>
-                              </p:par>
-                              <p:par>
-                                <p:cTn id="59" presetID="1" presetClass="entr" presetSubtype="0" fill="hold" grpId="0" nodeType="withEffect">
-                                  <p:stCondLst>
-                                    <p:cond delay="0"/>
-                                  </p:stCondLst>
-                                  <p:childTnLst>
-                                    <p:set>
-                                      <p:cBhvr>
-                                        <p:cTn id="60" dur="1" fill="hold">
-                                          <p:stCondLst>
-                                            <p:cond delay="0"/>
-                                          </p:stCondLst>
-                                        </p:cTn>
-                                        <p:tgtEl>
-                                          <p:spTgt spid="17"/>
-                                        </p:tgtEl>
-                                        <p:attrNameLst>
-                                          <p:attrName>style.visibility</p:attrName>
-                                        </p:attrNameLst>
-                                      </p:cBhvr>
-                                      <p:to>
-                                        <p:strVal val="visible"/>
-                                      </p:to>
-                                    </p:set>
-                                  </p:childTnLst>
-                                </p:cTn>
-                              </p:par>
-                            </p:childTnLst>
-                          </p:cTn>
-                        </p:par>
-                      </p:childTnLst>
-                    </p:cTn>
-                  </p:par>
-                  <p:par>
-                    <p:cTn id="61" fill="hold">
-                      <p:stCondLst>
-                        <p:cond delay="indefinite"/>
-                      </p:stCondLst>
-                      <p:childTnLst>
-                        <p:par>
-                          <p:cTn id="62" fill="hold">
-                            <p:stCondLst>
-                              <p:cond delay="0"/>
-                            </p:stCondLst>
-                            <p:childTnLst>
-                              <p:par>
-                                <p:cTn id="63" presetID="1" presetClass="entr" presetSubtype="0" fill="hold" nodeType="clickEffect">
-                                  <p:stCondLst>
-                                    <p:cond delay="0"/>
-                                  </p:stCondLst>
-                                  <p:childTnLst>
-                                    <p:set>
-                                      <p:cBhvr>
-                                        <p:cTn id="64" dur="1" fill="hold">
-                                          <p:stCondLst>
-                                            <p:cond delay="0"/>
-                                          </p:stCondLst>
-                                        </p:cTn>
-                                        <p:tgtEl>
-                                          <p:spTgt spid="19"/>
-                                        </p:tgtEl>
-                                        <p:attrNameLst>
-                                          <p:attrName>style.visibility</p:attrName>
-                                        </p:attrNameLst>
-                                      </p:cBhvr>
-                                      <p:to>
-                                        <p:strVal val="visible"/>
-                                      </p:to>
-                                    </p:set>
-                                  </p:childTnLst>
-                                </p:cTn>
-                              </p:par>
-                              <p:par>
-                                <p:cTn id="65" presetID="1" presetClass="entr" presetSubtype="0" fill="hold" nodeType="withEffect">
-                                  <p:stCondLst>
-                                    <p:cond delay="0"/>
-                                  </p:stCondLst>
-                                  <p:childTnLst>
-                                    <p:set>
-                                      <p:cBhvr>
-                                        <p:cTn id="66" dur="1" fill="hold">
-                                          <p:stCondLst>
-                                            <p:cond delay="0"/>
-                                          </p:stCondLst>
-                                        </p:cTn>
-                                        <p:tgtEl>
-                                          <p:spTgt spid="20"/>
-                                        </p:tgtEl>
-                                        <p:attrNameLst>
-                                          <p:attrName>style.visibility</p:attrName>
-                                        </p:attrNameLst>
-                                      </p:cBhvr>
-                                      <p:to>
-                                        <p:strVal val="visible"/>
-                                      </p:to>
-                                    </p:set>
-                                  </p:childTnLst>
-                                </p:cTn>
-                              </p:par>
-                              <p:par>
-                                <p:cTn id="67" presetID="1" presetClass="entr" presetSubtype="0" fill="hold" grpId="0" nodeType="withEffect">
-                                  <p:stCondLst>
-                                    <p:cond delay="0"/>
-                                  </p:stCondLst>
-                                  <p:childTnLst>
-                                    <p:set>
-                                      <p:cBhvr>
-                                        <p:cTn id="68" dur="1" fill="hold">
-                                          <p:stCondLst>
-                                            <p:cond delay="0"/>
-                                          </p:stCondLst>
-                                        </p:cTn>
-                                        <p:tgtEl>
-                                          <p:spTgt spid="21"/>
-                                        </p:tgtEl>
-                                        <p:attrNameLst>
-                                          <p:attrName>style.visibility</p:attrName>
-                                        </p:attrNameLst>
-                                      </p:cBhvr>
-                                      <p:to>
-                                        <p:strVal val="visible"/>
-                                      </p:to>
-                                    </p:set>
-                                  </p:childTnLst>
-                                </p:cTn>
-                              </p:par>
-                            </p:childTnLst>
-                          </p:cTn>
-                        </p:par>
-                      </p:childTnLst>
-                    </p:cTn>
-                  </p:par>
-                </p:childTnLst>
-              </p:cTn>
-              <p:prevCondLst>
-                <p:cond evt="onPrev" delay="0">
-                  <p:tgtEl>
-                    <p:sldTgt/>
-                  </p:tgtEl>
-                </p:cond>
-              </p:prevCondLst>
-              <p:nextCondLst>
-                <p:cond evt="onNext" delay="0">
-                  <p:tgtEl>
-                    <p:sldTgt/>
-                  </p:tgtEl>
-                </p:cond>
-              </p:nextCondLst>
-            </p:seq>
-          </p:childTnLst>
-        </p:cTn>
-      </p:par>
-    </p:tnLst>
-    <p:bldLst>
-      <p:bldP spid="4" grpId="0" animBg="1"/>
-      <p:bldP spid="5" grpId="0" animBg="1"/>
-      <p:bldP spid="6" grpId="0" animBg="1"/>
-      <p:bldP spid="8" grpId="0"/>
-      <p:bldP spid="11" grpId="0"/>
-      <p:bldP spid="12" grpId="0" animBg="1"/>
-      <p:bldP spid="13" grpId="0"/>
-      <p:bldP spid="17" grpId="0"/>
-      <p:bldP spid="21" grpId="0"/>
-      <p:bldP spid="25" grpId="0"/>
-      <p:bldP spid="30" grpId="0"/>
-    </p:bldLst>
-  </p:timing>
-</p:sld>
-</file>
-
-<file path=ppt/slides/slide4.xml><?xml version="1.0" encoding="utf-8"?>
 <p:sld xmlns:a="http://schemas.openxmlformats.org/drawingml/2006/main" xmlns:r="http://schemas.openxmlformats.org/officeDocument/2006/relationships" xmlns:p="http://schemas.openxmlformats.org/presentationml/2006/main">
   <p:cSld>
     <p:spTree>
